--- a/songpay/SongPay.pptx
+++ b/songpay/SongPay.pptx
@@ -119,11 +119,6 @@
       </a:defRPr>
     </a:lvl9pPr>
   </p:defaultTextStyle>
-  <p:extLst>
-    <p:ext uri="{EFAFB233-063F-42B5-8137-9DF3F51BA10A}">
-      <p15:sldGuideLst xmlns:p15="http://schemas.microsoft.com/office/powerpoint/2012/main"/>
-    </p:ext>
-  </p:extLst>
 </p:presentation>
 </file>
 
@@ -149,7 +144,7 @@
           <p:cNvPr id="2" name="Заголовок 1">
             <a:extLst>
               <a:ext uri="{FF2B5EF4-FFF2-40B4-BE49-F238E27FC236}">
-                <a16:creationId xmlns:a16="http://schemas.microsoft.com/office/drawing/2014/main" id="{61AB363C-3A36-4D27-B5C2-4A2577041C96}"/>
+                <a16:creationId xmlns:a16="http://schemas.microsoft.com/office/drawing/2014/main" id="{6FF4119A-26B2-4BB3-8445-133BD9EAD0AC}"/>
               </a:ext>
             </a:extLst>
           </p:cNvPr>
@@ -186,7 +181,7 @@
           <p:cNvPr id="3" name="Подзаголовок 2">
             <a:extLst>
               <a:ext uri="{FF2B5EF4-FFF2-40B4-BE49-F238E27FC236}">
-                <a16:creationId xmlns:a16="http://schemas.microsoft.com/office/drawing/2014/main" id="{1C0121A1-A6AD-4903-B17B-A68B44085C6A}"/>
+                <a16:creationId xmlns:a16="http://schemas.microsoft.com/office/drawing/2014/main" id="{CEAA343F-A7F6-4DC4-8972-441D70E42B2A}"/>
               </a:ext>
             </a:extLst>
           </p:cNvPr>
@@ -256,7 +251,7 @@
           <p:cNvPr id="4" name="Дата 3">
             <a:extLst>
               <a:ext uri="{FF2B5EF4-FFF2-40B4-BE49-F238E27FC236}">
-                <a16:creationId xmlns:a16="http://schemas.microsoft.com/office/drawing/2014/main" id="{5C356AA4-1EDA-4317-AAA2-4839AA3E8E1F}"/>
+                <a16:creationId xmlns:a16="http://schemas.microsoft.com/office/drawing/2014/main" id="{692C2F00-7B63-4D0D-BA86-6ED336605580}"/>
               </a:ext>
             </a:extLst>
           </p:cNvPr>
@@ -272,9 +267,9 @@
           <a:bodyPr/>
           <a:lstStyle/>
           <a:p>
-            <a:fld id="{43C73E28-1A0C-4EA8-B1C9-AA2C69670DDA}" type="datetimeFigureOut">
+            <a:fld id="{D2F0C2F6-156B-4D04-876E-FBC8C8C22DC7}" type="datetimeFigureOut">
               <a:rPr lang="ru-RU" smtClean="0"/>
-              <a:t>09.06.2022</a:t>
+              <a:t>13.06.2022</a:t>
             </a:fld>
             <a:endParaRPr lang="ru-RU"/>
           </a:p>
@@ -285,7 +280,7 @@
           <p:cNvPr id="5" name="Нижний колонтитул 4">
             <a:extLst>
               <a:ext uri="{FF2B5EF4-FFF2-40B4-BE49-F238E27FC236}">
-                <a16:creationId xmlns:a16="http://schemas.microsoft.com/office/drawing/2014/main" id="{809A4D88-1593-4713-BC76-452915FF6AD9}"/>
+                <a16:creationId xmlns:a16="http://schemas.microsoft.com/office/drawing/2014/main" id="{2615F9ED-F1C4-4FDF-9967-D0BDFFC9EDB0}"/>
               </a:ext>
             </a:extLst>
           </p:cNvPr>
@@ -310,7 +305,7 @@
           <p:cNvPr id="6" name="Номер слайда 5">
             <a:extLst>
               <a:ext uri="{FF2B5EF4-FFF2-40B4-BE49-F238E27FC236}">
-                <a16:creationId xmlns:a16="http://schemas.microsoft.com/office/drawing/2014/main" id="{8D5CEBD9-4A8B-4CCE-A33D-52B843FE9F59}"/>
+                <a16:creationId xmlns:a16="http://schemas.microsoft.com/office/drawing/2014/main" id="{2D667808-429E-432D-AACC-F048255F4AE3}"/>
               </a:ext>
             </a:extLst>
           </p:cNvPr>
@@ -326,7 +321,7 @@
           <a:bodyPr/>
           <a:lstStyle/>
           <a:p>
-            <a:fld id="{A81051DC-306D-409D-9B04-C5C94E3AD396}" type="slidenum">
+            <a:fld id="{5ED03D7F-5428-485B-B5EE-4625CDFEDAA3}" type="slidenum">
               <a:rPr lang="ru-RU" smtClean="0"/>
               <a:t>‹#›</a:t>
             </a:fld>
@@ -337,7 +332,7 @@
     </p:spTree>
     <p:extLst>
       <p:ext uri="{BB962C8B-B14F-4D97-AF65-F5344CB8AC3E}">
-        <p14:creationId xmlns:p14="http://schemas.microsoft.com/office/powerpoint/2010/main" val="785658210"/>
+        <p14:creationId xmlns:p14="http://schemas.microsoft.com/office/powerpoint/2010/main" val="131128962"/>
       </p:ext>
     </p:extLst>
   </p:cSld>
@@ -369,7 +364,7 @@
           <p:cNvPr id="2" name="Заголовок 1">
             <a:extLst>
               <a:ext uri="{FF2B5EF4-FFF2-40B4-BE49-F238E27FC236}">
-                <a16:creationId xmlns:a16="http://schemas.microsoft.com/office/drawing/2014/main" id="{115EC44C-8F51-4F3B-AE82-AF36AC49B89A}"/>
+                <a16:creationId xmlns:a16="http://schemas.microsoft.com/office/drawing/2014/main" id="{3C73B594-F818-4AB5-891E-289F5773210B}"/>
               </a:ext>
             </a:extLst>
           </p:cNvPr>
@@ -397,7 +392,7 @@
           <p:cNvPr id="3" name="Вертикальный текст 2">
             <a:extLst>
               <a:ext uri="{FF2B5EF4-FFF2-40B4-BE49-F238E27FC236}">
-                <a16:creationId xmlns:a16="http://schemas.microsoft.com/office/drawing/2014/main" id="{4E692377-0E4D-4A4C-880B-CF7F7CE586C7}"/>
+                <a16:creationId xmlns:a16="http://schemas.microsoft.com/office/drawing/2014/main" id="{5B72A24D-8DCB-4E03-B146-7621718E8517}"/>
               </a:ext>
             </a:extLst>
           </p:cNvPr>
@@ -454,7 +449,7 @@
           <p:cNvPr id="4" name="Дата 3">
             <a:extLst>
               <a:ext uri="{FF2B5EF4-FFF2-40B4-BE49-F238E27FC236}">
-                <a16:creationId xmlns:a16="http://schemas.microsoft.com/office/drawing/2014/main" id="{9EE1819E-96B4-40F0-83D7-1072D3D5BB86}"/>
+                <a16:creationId xmlns:a16="http://schemas.microsoft.com/office/drawing/2014/main" id="{16572BE2-C47D-4A9B-8B5F-792783434B97}"/>
               </a:ext>
             </a:extLst>
           </p:cNvPr>
@@ -470,9 +465,9 @@
           <a:bodyPr/>
           <a:lstStyle/>
           <a:p>
-            <a:fld id="{43C73E28-1A0C-4EA8-B1C9-AA2C69670DDA}" type="datetimeFigureOut">
+            <a:fld id="{D2F0C2F6-156B-4D04-876E-FBC8C8C22DC7}" type="datetimeFigureOut">
               <a:rPr lang="ru-RU" smtClean="0"/>
-              <a:t>09.06.2022</a:t>
+              <a:t>13.06.2022</a:t>
             </a:fld>
             <a:endParaRPr lang="ru-RU"/>
           </a:p>
@@ -483,7 +478,7 @@
           <p:cNvPr id="5" name="Нижний колонтитул 4">
             <a:extLst>
               <a:ext uri="{FF2B5EF4-FFF2-40B4-BE49-F238E27FC236}">
-                <a16:creationId xmlns:a16="http://schemas.microsoft.com/office/drawing/2014/main" id="{9048E29B-78A6-4463-BC81-B320BDD613EE}"/>
+                <a16:creationId xmlns:a16="http://schemas.microsoft.com/office/drawing/2014/main" id="{8FC4C6E0-0859-4E60-8D6C-ACBF0C1DCEAC}"/>
               </a:ext>
             </a:extLst>
           </p:cNvPr>
@@ -508,7 +503,7 @@
           <p:cNvPr id="6" name="Номер слайда 5">
             <a:extLst>
               <a:ext uri="{FF2B5EF4-FFF2-40B4-BE49-F238E27FC236}">
-                <a16:creationId xmlns:a16="http://schemas.microsoft.com/office/drawing/2014/main" id="{F9EBFCDD-B224-4D21-8EAC-75B1C0D0FA66}"/>
+                <a16:creationId xmlns:a16="http://schemas.microsoft.com/office/drawing/2014/main" id="{E9B802D5-237B-46EA-8C26-D3F7D6A59AE0}"/>
               </a:ext>
             </a:extLst>
           </p:cNvPr>
@@ -524,7 +519,7 @@
           <a:bodyPr/>
           <a:lstStyle/>
           <a:p>
-            <a:fld id="{A81051DC-306D-409D-9B04-C5C94E3AD396}" type="slidenum">
+            <a:fld id="{5ED03D7F-5428-485B-B5EE-4625CDFEDAA3}" type="slidenum">
               <a:rPr lang="ru-RU" smtClean="0"/>
               <a:t>‹#›</a:t>
             </a:fld>
@@ -535,7 +530,7 @@
     </p:spTree>
     <p:extLst>
       <p:ext uri="{BB962C8B-B14F-4D97-AF65-F5344CB8AC3E}">
-        <p14:creationId xmlns:p14="http://schemas.microsoft.com/office/powerpoint/2010/main" val="516796910"/>
+        <p14:creationId xmlns:p14="http://schemas.microsoft.com/office/powerpoint/2010/main" val="2864509169"/>
       </p:ext>
     </p:extLst>
   </p:cSld>
@@ -567,7 +562,7 @@
           <p:cNvPr id="2" name="Вертикальный заголовок 1">
             <a:extLst>
               <a:ext uri="{FF2B5EF4-FFF2-40B4-BE49-F238E27FC236}">
-                <a16:creationId xmlns:a16="http://schemas.microsoft.com/office/drawing/2014/main" id="{EBDBA199-3436-4C71-96B8-E1CD9793B175}"/>
+                <a16:creationId xmlns:a16="http://schemas.microsoft.com/office/drawing/2014/main" id="{5466870C-AC33-4741-9F4F-1CAFCCE736D1}"/>
               </a:ext>
             </a:extLst>
           </p:cNvPr>
@@ -600,7 +595,7 @@
           <p:cNvPr id="3" name="Вертикальный текст 2">
             <a:extLst>
               <a:ext uri="{FF2B5EF4-FFF2-40B4-BE49-F238E27FC236}">
-                <a16:creationId xmlns:a16="http://schemas.microsoft.com/office/drawing/2014/main" id="{BC0854B8-8BFA-4F1B-8046-4B535451F8A1}"/>
+                <a16:creationId xmlns:a16="http://schemas.microsoft.com/office/drawing/2014/main" id="{9F156EA3-4741-40F9-8719-3BBE11D1E01E}"/>
               </a:ext>
             </a:extLst>
           </p:cNvPr>
@@ -662,7 +657,7 @@
           <p:cNvPr id="4" name="Дата 3">
             <a:extLst>
               <a:ext uri="{FF2B5EF4-FFF2-40B4-BE49-F238E27FC236}">
-                <a16:creationId xmlns:a16="http://schemas.microsoft.com/office/drawing/2014/main" id="{0B4ABC9E-12B2-4BAE-8F20-AA21858FC940}"/>
+                <a16:creationId xmlns:a16="http://schemas.microsoft.com/office/drawing/2014/main" id="{400CF103-A192-41C1-9064-044444295D77}"/>
               </a:ext>
             </a:extLst>
           </p:cNvPr>
@@ -678,9 +673,9 @@
           <a:bodyPr/>
           <a:lstStyle/>
           <a:p>
-            <a:fld id="{43C73E28-1A0C-4EA8-B1C9-AA2C69670DDA}" type="datetimeFigureOut">
+            <a:fld id="{D2F0C2F6-156B-4D04-876E-FBC8C8C22DC7}" type="datetimeFigureOut">
               <a:rPr lang="ru-RU" smtClean="0"/>
-              <a:t>09.06.2022</a:t>
+              <a:t>13.06.2022</a:t>
             </a:fld>
             <a:endParaRPr lang="ru-RU"/>
           </a:p>
@@ -691,7 +686,7 @@
           <p:cNvPr id="5" name="Нижний колонтитул 4">
             <a:extLst>
               <a:ext uri="{FF2B5EF4-FFF2-40B4-BE49-F238E27FC236}">
-                <a16:creationId xmlns:a16="http://schemas.microsoft.com/office/drawing/2014/main" id="{E685F8F8-47CF-49D2-B6E8-C48D3B9315D0}"/>
+                <a16:creationId xmlns:a16="http://schemas.microsoft.com/office/drawing/2014/main" id="{B0BCBA88-AF10-4792-9212-0A005AC6F0D9}"/>
               </a:ext>
             </a:extLst>
           </p:cNvPr>
@@ -716,7 +711,7 @@
           <p:cNvPr id="6" name="Номер слайда 5">
             <a:extLst>
               <a:ext uri="{FF2B5EF4-FFF2-40B4-BE49-F238E27FC236}">
-                <a16:creationId xmlns:a16="http://schemas.microsoft.com/office/drawing/2014/main" id="{E58CC02C-D7F1-4255-87D6-C05241B533CB}"/>
+                <a16:creationId xmlns:a16="http://schemas.microsoft.com/office/drawing/2014/main" id="{E57BA9B7-0A43-4B8C-B918-6C04CD42A487}"/>
               </a:ext>
             </a:extLst>
           </p:cNvPr>
@@ -732,7 +727,7 @@
           <a:bodyPr/>
           <a:lstStyle/>
           <a:p>
-            <a:fld id="{A81051DC-306D-409D-9B04-C5C94E3AD396}" type="slidenum">
+            <a:fld id="{5ED03D7F-5428-485B-B5EE-4625CDFEDAA3}" type="slidenum">
               <a:rPr lang="ru-RU" smtClean="0"/>
               <a:t>‹#›</a:t>
             </a:fld>
@@ -743,7 +738,7 @@
     </p:spTree>
     <p:extLst>
       <p:ext uri="{BB962C8B-B14F-4D97-AF65-F5344CB8AC3E}">
-        <p14:creationId xmlns:p14="http://schemas.microsoft.com/office/powerpoint/2010/main" val="1094815286"/>
+        <p14:creationId xmlns:p14="http://schemas.microsoft.com/office/powerpoint/2010/main" val="1508521368"/>
       </p:ext>
     </p:extLst>
   </p:cSld>
@@ -775,7 +770,7 @@
           <p:cNvPr id="2" name="Заголовок 1">
             <a:extLst>
               <a:ext uri="{FF2B5EF4-FFF2-40B4-BE49-F238E27FC236}">
-                <a16:creationId xmlns:a16="http://schemas.microsoft.com/office/drawing/2014/main" id="{8BE9566F-781F-463E-9212-31069AA3D391}"/>
+                <a16:creationId xmlns:a16="http://schemas.microsoft.com/office/drawing/2014/main" id="{F1EA2D5B-5EBF-4474-A2AA-67CC18CF2181}"/>
               </a:ext>
             </a:extLst>
           </p:cNvPr>
@@ -803,7 +798,7 @@
           <p:cNvPr id="3" name="Объект 2">
             <a:extLst>
               <a:ext uri="{FF2B5EF4-FFF2-40B4-BE49-F238E27FC236}">
-                <a16:creationId xmlns:a16="http://schemas.microsoft.com/office/drawing/2014/main" id="{0CC1CF51-417D-4598-9FB5-191CEDAD32A9}"/>
+                <a16:creationId xmlns:a16="http://schemas.microsoft.com/office/drawing/2014/main" id="{D1D73555-2020-4DF7-8A9B-9B6DAAC497B2}"/>
               </a:ext>
             </a:extLst>
           </p:cNvPr>
@@ -860,7 +855,7 @@
           <p:cNvPr id="4" name="Дата 3">
             <a:extLst>
               <a:ext uri="{FF2B5EF4-FFF2-40B4-BE49-F238E27FC236}">
-                <a16:creationId xmlns:a16="http://schemas.microsoft.com/office/drawing/2014/main" id="{E2224E35-3E83-47C7-AC2D-B7DCA6EABB39}"/>
+                <a16:creationId xmlns:a16="http://schemas.microsoft.com/office/drawing/2014/main" id="{EE289D87-9F1E-4E1F-9D5B-0A63E241D752}"/>
               </a:ext>
             </a:extLst>
           </p:cNvPr>
@@ -876,9 +871,9 @@
           <a:bodyPr/>
           <a:lstStyle/>
           <a:p>
-            <a:fld id="{43C73E28-1A0C-4EA8-B1C9-AA2C69670DDA}" type="datetimeFigureOut">
+            <a:fld id="{D2F0C2F6-156B-4D04-876E-FBC8C8C22DC7}" type="datetimeFigureOut">
               <a:rPr lang="ru-RU" smtClean="0"/>
-              <a:t>09.06.2022</a:t>
+              <a:t>13.06.2022</a:t>
             </a:fld>
             <a:endParaRPr lang="ru-RU"/>
           </a:p>
@@ -889,7 +884,7 @@
           <p:cNvPr id="5" name="Нижний колонтитул 4">
             <a:extLst>
               <a:ext uri="{FF2B5EF4-FFF2-40B4-BE49-F238E27FC236}">
-                <a16:creationId xmlns:a16="http://schemas.microsoft.com/office/drawing/2014/main" id="{E7B41446-8778-42EA-90CD-2A19F314C4A8}"/>
+                <a16:creationId xmlns:a16="http://schemas.microsoft.com/office/drawing/2014/main" id="{EF266641-9D55-42D9-9762-B512126160BD}"/>
               </a:ext>
             </a:extLst>
           </p:cNvPr>
@@ -914,7 +909,7 @@
           <p:cNvPr id="6" name="Номер слайда 5">
             <a:extLst>
               <a:ext uri="{FF2B5EF4-FFF2-40B4-BE49-F238E27FC236}">
-                <a16:creationId xmlns:a16="http://schemas.microsoft.com/office/drawing/2014/main" id="{2F2DFD34-E479-418C-AA73-CED1FA3FB1C0}"/>
+                <a16:creationId xmlns:a16="http://schemas.microsoft.com/office/drawing/2014/main" id="{BBEE3540-5465-460B-B016-EE8F8A19A7F5}"/>
               </a:ext>
             </a:extLst>
           </p:cNvPr>
@@ -930,7 +925,7 @@
           <a:bodyPr/>
           <a:lstStyle/>
           <a:p>
-            <a:fld id="{A81051DC-306D-409D-9B04-C5C94E3AD396}" type="slidenum">
+            <a:fld id="{5ED03D7F-5428-485B-B5EE-4625CDFEDAA3}" type="slidenum">
               <a:rPr lang="ru-RU" smtClean="0"/>
               <a:t>‹#›</a:t>
             </a:fld>
@@ -941,7 +936,7 @@
     </p:spTree>
     <p:extLst>
       <p:ext uri="{BB962C8B-B14F-4D97-AF65-F5344CB8AC3E}">
-        <p14:creationId xmlns:p14="http://schemas.microsoft.com/office/powerpoint/2010/main" val="797902764"/>
+        <p14:creationId xmlns:p14="http://schemas.microsoft.com/office/powerpoint/2010/main" val="1766874671"/>
       </p:ext>
     </p:extLst>
   </p:cSld>
@@ -973,7 +968,7 @@
           <p:cNvPr id="2" name="Заголовок 1">
             <a:extLst>
               <a:ext uri="{FF2B5EF4-FFF2-40B4-BE49-F238E27FC236}">
-                <a16:creationId xmlns:a16="http://schemas.microsoft.com/office/drawing/2014/main" id="{82863786-344E-49C2-A1BA-8A79BC39646D}"/>
+                <a16:creationId xmlns:a16="http://schemas.microsoft.com/office/drawing/2014/main" id="{C1398CC4-A1C6-425A-947C-56997735F50A}"/>
               </a:ext>
             </a:extLst>
           </p:cNvPr>
@@ -1010,7 +1005,7 @@
           <p:cNvPr id="3" name="Текст 2">
             <a:extLst>
               <a:ext uri="{FF2B5EF4-FFF2-40B4-BE49-F238E27FC236}">
-                <a16:creationId xmlns:a16="http://schemas.microsoft.com/office/drawing/2014/main" id="{553D71A4-171E-45AD-9818-87C79A3BF504}"/>
+                <a16:creationId xmlns:a16="http://schemas.microsoft.com/office/drawing/2014/main" id="{ABF7B277-A073-4CCC-82CE-8BE917C5DAAA}"/>
               </a:ext>
             </a:extLst>
           </p:cNvPr>
@@ -1135,7 +1130,7 @@
           <p:cNvPr id="4" name="Дата 3">
             <a:extLst>
               <a:ext uri="{FF2B5EF4-FFF2-40B4-BE49-F238E27FC236}">
-                <a16:creationId xmlns:a16="http://schemas.microsoft.com/office/drawing/2014/main" id="{E08A9ADB-2889-4579-870E-3754D08FF142}"/>
+                <a16:creationId xmlns:a16="http://schemas.microsoft.com/office/drawing/2014/main" id="{B491D972-ABE7-42A9-8AE0-1063477226EF}"/>
               </a:ext>
             </a:extLst>
           </p:cNvPr>
@@ -1151,9 +1146,9 @@
           <a:bodyPr/>
           <a:lstStyle/>
           <a:p>
-            <a:fld id="{43C73E28-1A0C-4EA8-B1C9-AA2C69670DDA}" type="datetimeFigureOut">
+            <a:fld id="{D2F0C2F6-156B-4D04-876E-FBC8C8C22DC7}" type="datetimeFigureOut">
               <a:rPr lang="ru-RU" smtClean="0"/>
-              <a:t>09.06.2022</a:t>
+              <a:t>13.06.2022</a:t>
             </a:fld>
             <a:endParaRPr lang="ru-RU"/>
           </a:p>
@@ -1164,7 +1159,7 @@
           <p:cNvPr id="5" name="Нижний колонтитул 4">
             <a:extLst>
               <a:ext uri="{FF2B5EF4-FFF2-40B4-BE49-F238E27FC236}">
-                <a16:creationId xmlns:a16="http://schemas.microsoft.com/office/drawing/2014/main" id="{907D216C-291D-44FD-8846-2E7504ABD69C}"/>
+                <a16:creationId xmlns:a16="http://schemas.microsoft.com/office/drawing/2014/main" id="{8F174B5F-215B-460D-A81F-4122CDA2E478}"/>
               </a:ext>
             </a:extLst>
           </p:cNvPr>
@@ -1189,7 +1184,7 @@
           <p:cNvPr id="6" name="Номер слайда 5">
             <a:extLst>
               <a:ext uri="{FF2B5EF4-FFF2-40B4-BE49-F238E27FC236}">
-                <a16:creationId xmlns:a16="http://schemas.microsoft.com/office/drawing/2014/main" id="{D71FF324-D2FB-41EF-A65B-175B68FFF299}"/>
+                <a16:creationId xmlns:a16="http://schemas.microsoft.com/office/drawing/2014/main" id="{297DBBD7-ED7E-491D-BFCC-AC952B1DEEA6}"/>
               </a:ext>
             </a:extLst>
           </p:cNvPr>
@@ -1205,7 +1200,7 @@
           <a:bodyPr/>
           <a:lstStyle/>
           <a:p>
-            <a:fld id="{A81051DC-306D-409D-9B04-C5C94E3AD396}" type="slidenum">
+            <a:fld id="{5ED03D7F-5428-485B-B5EE-4625CDFEDAA3}" type="slidenum">
               <a:rPr lang="ru-RU" smtClean="0"/>
               <a:t>‹#›</a:t>
             </a:fld>
@@ -1216,7 +1211,7 @@
     </p:spTree>
     <p:extLst>
       <p:ext uri="{BB962C8B-B14F-4D97-AF65-F5344CB8AC3E}">
-        <p14:creationId xmlns:p14="http://schemas.microsoft.com/office/powerpoint/2010/main" val="3522209142"/>
+        <p14:creationId xmlns:p14="http://schemas.microsoft.com/office/powerpoint/2010/main" val="1662219194"/>
       </p:ext>
     </p:extLst>
   </p:cSld>
@@ -1248,7 +1243,7 @@
           <p:cNvPr id="2" name="Заголовок 1">
             <a:extLst>
               <a:ext uri="{FF2B5EF4-FFF2-40B4-BE49-F238E27FC236}">
-                <a16:creationId xmlns:a16="http://schemas.microsoft.com/office/drawing/2014/main" id="{1CC49C17-CD8B-4E3E-9663-2B603010D539}"/>
+                <a16:creationId xmlns:a16="http://schemas.microsoft.com/office/drawing/2014/main" id="{6F684103-84A2-48BA-80E9-F80BDC56C921}"/>
               </a:ext>
             </a:extLst>
           </p:cNvPr>
@@ -1276,7 +1271,7 @@
           <p:cNvPr id="3" name="Объект 2">
             <a:extLst>
               <a:ext uri="{FF2B5EF4-FFF2-40B4-BE49-F238E27FC236}">
-                <a16:creationId xmlns:a16="http://schemas.microsoft.com/office/drawing/2014/main" id="{9D9226BE-6C97-4C29-BED1-FDCD54CB858A}"/>
+                <a16:creationId xmlns:a16="http://schemas.microsoft.com/office/drawing/2014/main" id="{FE7906CC-C51A-4024-99EA-1B26C53013D5}"/>
               </a:ext>
             </a:extLst>
           </p:cNvPr>
@@ -1338,7 +1333,7 @@
           <p:cNvPr id="4" name="Объект 3">
             <a:extLst>
               <a:ext uri="{FF2B5EF4-FFF2-40B4-BE49-F238E27FC236}">
-                <a16:creationId xmlns:a16="http://schemas.microsoft.com/office/drawing/2014/main" id="{7AA6D611-7FA1-43D7-BA9F-DBD11F7E3AA5}"/>
+                <a16:creationId xmlns:a16="http://schemas.microsoft.com/office/drawing/2014/main" id="{A6354EB2-096B-4101-AE0B-0BC53F6188A4}"/>
               </a:ext>
             </a:extLst>
           </p:cNvPr>
@@ -1400,7 +1395,7 @@
           <p:cNvPr id="5" name="Дата 4">
             <a:extLst>
               <a:ext uri="{FF2B5EF4-FFF2-40B4-BE49-F238E27FC236}">
-                <a16:creationId xmlns:a16="http://schemas.microsoft.com/office/drawing/2014/main" id="{884AED1F-081D-45E2-8882-2AB0EEF8B91C}"/>
+                <a16:creationId xmlns:a16="http://schemas.microsoft.com/office/drawing/2014/main" id="{0F8A9A75-D750-4802-93D7-26D4EB4BDA0A}"/>
               </a:ext>
             </a:extLst>
           </p:cNvPr>
@@ -1416,9 +1411,9 @@
           <a:bodyPr/>
           <a:lstStyle/>
           <a:p>
-            <a:fld id="{43C73E28-1A0C-4EA8-B1C9-AA2C69670DDA}" type="datetimeFigureOut">
+            <a:fld id="{D2F0C2F6-156B-4D04-876E-FBC8C8C22DC7}" type="datetimeFigureOut">
               <a:rPr lang="ru-RU" smtClean="0"/>
-              <a:t>09.06.2022</a:t>
+              <a:t>13.06.2022</a:t>
             </a:fld>
             <a:endParaRPr lang="ru-RU"/>
           </a:p>
@@ -1429,7 +1424,7 @@
           <p:cNvPr id="6" name="Нижний колонтитул 5">
             <a:extLst>
               <a:ext uri="{FF2B5EF4-FFF2-40B4-BE49-F238E27FC236}">
-                <a16:creationId xmlns:a16="http://schemas.microsoft.com/office/drawing/2014/main" id="{5D68AB58-C1CB-413A-BA5B-CADAC724749E}"/>
+                <a16:creationId xmlns:a16="http://schemas.microsoft.com/office/drawing/2014/main" id="{4FBAC955-39BB-4125-BEBB-CE14FC0FB524}"/>
               </a:ext>
             </a:extLst>
           </p:cNvPr>
@@ -1454,7 +1449,7 @@
           <p:cNvPr id="7" name="Номер слайда 6">
             <a:extLst>
               <a:ext uri="{FF2B5EF4-FFF2-40B4-BE49-F238E27FC236}">
-                <a16:creationId xmlns:a16="http://schemas.microsoft.com/office/drawing/2014/main" id="{E1AC1838-4062-4D8F-A2F9-7526DA244B0F}"/>
+                <a16:creationId xmlns:a16="http://schemas.microsoft.com/office/drawing/2014/main" id="{4D845FEB-7951-4B32-BD77-1C9293389B95}"/>
               </a:ext>
             </a:extLst>
           </p:cNvPr>
@@ -1470,7 +1465,7 @@
           <a:bodyPr/>
           <a:lstStyle/>
           <a:p>
-            <a:fld id="{A81051DC-306D-409D-9B04-C5C94E3AD396}" type="slidenum">
+            <a:fld id="{5ED03D7F-5428-485B-B5EE-4625CDFEDAA3}" type="slidenum">
               <a:rPr lang="ru-RU" smtClean="0"/>
               <a:t>‹#›</a:t>
             </a:fld>
@@ -1481,7 +1476,7 @@
     </p:spTree>
     <p:extLst>
       <p:ext uri="{BB962C8B-B14F-4D97-AF65-F5344CB8AC3E}">
-        <p14:creationId xmlns:p14="http://schemas.microsoft.com/office/powerpoint/2010/main" val="542897053"/>
+        <p14:creationId xmlns:p14="http://schemas.microsoft.com/office/powerpoint/2010/main" val="3354028661"/>
       </p:ext>
     </p:extLst>
   </p:cSld>
@@ -1513,7 +1508,7 @@
           <p:cNvPr id="2" name="Заголовок 1">
             <a:extLst>
               <a:ext uri="{FF2B5EF4-FFF2-40B4-BE49-F238E27FC236}">
-                <a16:creationId xmlns:a16="http://schemas.microsoft.com/office/drawing/2014/main" id="{D248B17D-3231-4F82-A770-FBE6B27FC7FC}"/>
+                <a16:creationId xmlns:a16="http://schemas.microsoft.com/office/drawing/2014/main" id="{C879319B-3379-4881-BA6C-A59B89C28D8A}"/>
               </a:ext>
             </a:extLst>
           </p:cNvPr>
@@ -1546,7 +1541,7 @@
           <p:cNvPr id="3" name="Текст 2">
             <a:extLst>
               <a:ext uri="{FF2B5EF4-FFF2-40B4-BE49-F238E27FC236}">
-                <a16:creationId xmlns:a16="http://schemas.microsoft.com/office/drawing/2014/main" id="{D7300D91-A2F9-4D13-A59C-044C357C0ACF}"/>
+                <a16:creationId xmlns:a16="http://schemas.microsoft.com/office/drawing/2014/main" id="{C6B13856-0FE2-48A0-A87B-7623308627FF}"/>
               </a:ext>
             </a:extLst>
           </p:cNvPr>
@@ -1617,7 +1612,7 @@
           <p:cNvPr id="4" name="Объект 3">
             <a:extLst>
               <a:ext uri="{FF2B5EF4-FFF2-40B4-BE49-F238E27FC236}">
-                <a16:creationId xmlns:a16="http://schemas.microsoft.com/office/drawing/2014/main" id="{45C60584-D52F-4E00-B249-2651FDA0DCC9}"/>
+                <a16:creationId xmlns:a16="http://schemas.microsoft.com/office/drawing/2014/main" id="{9C0B374F-1E0A-4AB0-9309-C9A31E9AFB5E}"/>
               </a:ext>
             </a:extLst>
           </p:cNvPr>
@@ -1679,7 +1674,7 @@
           <p:cNvPr id="5" name="Текст 4">
             <a:extLst>
               <a:ext uri="{FF2B5EF4-FFF2-40B4-BE49-F238E27FC236}">
-                <a16:creationId xmlns:a16="http://schemas.microsoft.com/office/drawing/2014/main" id="{FC2FC286-D717-45D1-A985-D63665A78B4B}"/>
+                <a16:creationId xmlns:a16="http://schemas.microsoft.com/office/drawing/2014/main" id="{2471A28B-3C29-4240-A38C-AB5152950AC9}"/>
               </a:ext>
             </a:extLst>
           </p:cNvPr>
@@ -1750,7 +1745,7 @@
           <p:cNvPr id="6" name="Объект 5">
             <a:extLst>
               <a:ext uri="{FF2B5EF4-FFF2-40B4-BE49-F238E27FC236}">
-                <a16:creationId xmlns:a16="http://schemas.microsoft.com/office/drawing/2014/main" id="{E48A098C-AC65-4AEC-BF1B-F63AF6FAB2FA}"/>
+                <a16:creationId xmlns:a16="http://schemas.microsoft.com/office/drawing/2014/main" id="{FFA12884-0F22-414E-BAA1-3258D8257126}"/>
               </a:ext>
             </a:extLst>
           </p:cNvPr>
@@ -1812,7 +1807,7 @@
           <p:cNvPr id="7" name="Дата 6">
             <a:extLst>
               <a:ext uri="{FF2B5EF4-FFF2-40B4-BE49-F238E27FC236}">
-                <a16:creationId xmlns:a16="http://schemas.microsoft.com/office/drawing/2014/main" id="{A5E4F433-68AB-4E58-B685-0E1E09F7A5C0}"/>
+                <a16:creationId xmlns:a16="http://schemas.microsoft.com/office/drawing/2014/main" id="{99F82D07-9FFF-4768-9A4A-BD906462BF70}"/>
               </a:ext>
             </a:extLst>
           </p:cNvPr>
@@ -1828,9 +1823,9 @@
           <a:bodyPr/>
           <a:lstStyle/>
           <a:p>
-            <a:fld id="{43C73E28-1A0C-4EA8-B1C9-AA2C69670DDA}" type="datetimeFigureOut">
+            <a:fld id="{D2F0C2F6-156B-4D04-876E-FBC8C8C22DC7}" type="datetimeFigureOut">
               <a:rPr lang="ru-RU" smtClean="0"/>
-              <a:t>09.06.2022</a:t>
+              <a:t>13.06.2022</a:t>
             </a:fld>
             <a:endParaRPr lang="ru-RU"/>
           </a:p>
@@ -1841,7 +1836,7 @@
           <p:cNvPr id="8" name="Нижний колонтитул 7">
             <a:extLst>
               <a:ext uri="{FF2B5EF4-FFF2-40B4-BE49-F238E27FC236}">
-                <a16:creationId xmlns:a16="http://schemas.microsoft.com/office/drawing/2014/main" id="{46B9BC2C-A555-41C5-86A2-FB54EC05CC54}"/>
+                <a16:creationId xmlns:a16="http://schemas.microsoft.com/office/drawing/2014/main" id="{5BC28BD7-842F-428C-AA2F-B0DD8ADFC626}"/>
               </a:ext>
             </a:extLst>
           </p:cNvPr>
@@ -1866,7 +1861,7 @@
           <p:cNvPr id="9" name="Номер слайда 8">
             <a:extLst>
               <a:ext uri="{FF2B5EF4-FFF2-40B4-BE49-F238E27FC236}">
-                <a16:creationId xmlns:a16="http://schemas.microsoft.com/office/drawing/2014/main" id="{66E97456-80EF-4D81-8CDA-354F42D87DBF}"/>
+                <a16:creationId xmlns:a16="http://schemas.microsoft.com/office/drawing/2014/main" id="{3B3E55B5-EC0C-407C-A4CD-E568529D4B69}"/>
               </a:ext>
             </a:extLst>
           </p:cNvPr>
@@ -1882,7 +1877,7 @@
           <a:bodyPr/>
           <a:lstStyle/>
           <a:p>
-            <a:fld id="{A81051DC-306D-409D-9B04-C5C94E3AD396}" type="slidenum">
+            <a:fld id="{5ED03D7F-5428-485B-B5EE-4625CDFEDAA3}" type="slidenum">
               <a:rPr lang="ru-RU" smtClean="0"/>
               <a:t>‹#›</a:t>
             </a:fld>
@@ -1893,7 +1888,7 @@
     </p:spTree>
     <p:extLst>
       <p:ext uri="{BB962C8B-B14F-4D97-AF65-F5344CB8AC3E}">
-        <p14:creationId xmlns:p14="http://schemas.microsoft.com/office/powerpoint/2010/main" val="1747378402"/>
+        <p14:creationId xmlns:p14="http://schemas.microsoft.com/office/powerpoint/2010/main" val="1468504097"/>
       </p:ext>
     </p:extLst>
   </p:cSld>
@@ -1925,7 +1920,7 @@
           <p:cNvPr id="2" name="Заголовок 1">
             <a:extLst>
               <a:ext uri="{FF2B5EF4-FFF2-40B4-BE49-F238E27FC236}">
-                <a16:creationId xmlns:a16="http://schemas.microsoft.com/office/drawing/2014/main" id="{9E5297AB-4448-4F75-AA2F-6A6C06144BEB}"/>
+                <a16:creationId xmlns:a16="http://schemas.microsoft.com/office/drawing/2014/main" id="{5A21D942-D65F-405F-AA95-26CB447BD4D7}"/>
               </a:ext>
             </a:extLst>
           </p:cNvPr>
@@ -1953,7 +1948,7 @@
           <p:cNvPr id="3" name="Дата 2">
             <a:extLst>
               <a:ext uri="{FF2B5EF4-FFF2-40B4-BE49-F238E27FC236}">
-                <a16:creationId xmlns:a16="http://schemas.microsoft.com/office/drawing/2014/main" id="{157B4314-42F5-4DBD-816F-3C7C2C9CB1E4}"/>
+                <a16:creationId xmlns:a16="http://schemas.microsoft.com/office/drawing/2014/main" id="{05B2F92A-D033-4314-9F91-8DC555638311}"/>
               </a:ext>
             </a:extLst>
           </p:cNvPr>
@@ -1969,9 +1964,9 @@
           <a:bodyPr/>
           <a:lstStyle/>
           <a:p>
-            <a:fld id="{43C73E28-1A0C-4EA8-B1C9-AA2C69670DDA}" type="datetimeFigureOut">
+            <a:fld id="{D2F0C2F6-156B-4D04-876E-FBC8C8C22DC7}" type="datetimeFigureOut">
               <a:rPr lang="ru-RU" smtClean="0"/>
-              <a:t>09.06.2022</a:t>
+              <a:t>13.06.2022</a:t>
             </a:fld>
             <a:endParaRPr lang="ru-RU"/>
           </a:p>
@@ -1982,7 +1977,7 @@
           <p:cNvPr id="4" name="Нижний колонтитул 3">
             <a:extLst>
               <a:ext uri="{FF2B5EF4-FFF2-40B4-BE49-F238E27FC236}">
-                <a16:creationId xmlns:a16="http://schemas.microsoft.com/office/drawing/2014/main" id="{47F59A83-B011-4E18-9024-445F4A9802E7}"/>
+                <a16:creationId xmlns:a16="http://schemas.microsoft.com/office/drawing/2014/main" id="{7272872A-D51E-4C84-B949-7E9CC11720A8}"/>
               </a:ext>
             </a:extLst>
           </p:cNvPr>
@@ -2007,7 +2002,7 @@
           <p:cNvPr id="5" name="Номер слайда 4">
             <a:extLst>
               <a:ext uri="{FF2B5EF4-FFF2-40B4-BE49-F238E27FC236}">
-                <a16:creationId xmlns:a16="http://schemas.microsoft.com/office/drawing/2014/main" id="{D91BEC91-F2F8-445A-B8C2-811E4E9D59C7}"/>
+                <a16:creationId xmlns:a16="http://schemas.microsoft.com/office/drawing/2014/main" id="{B23A09CD-D90A-45D7-A991-FBAA4C722275}"/>
               </a:ext>
             </a:extLst>
           </p:cNvPr>
@@ -2023,7 +2018,7 @@
           <a:bodyPr/>
           <a:lstStyle/>
           <a:p>
-            <a:fld id="{A81051DC-306D-409D-9B04-C5C94E3AD396}" type="slidenum">
+            <a:fld id="{5ED03D7F-5428-485B-B5EE-4625CDFEDAA3}" type="slidenum">
               <a:rPr lang="ru-RU" smtClean="0"/>
               <a:t>‹#›</a:t>
             </a:fld>
@@ -2034,7 +2029,7 @@
     </p:spTree>
     <p:extLst>
       <p:ext uri="{BB962C8B-B14F-4D97-AF65-F5344CB8AC3E}">
-        <p14:creationId xmlns:p14="http://schemas.microsoft.com/office/powerpoint/2010/main" val="254917740"/>
+        <p14:creationId xmlns:p14="http://schemas.microsoft.com/office/powerpoint/2010/main" val="2089227768"/>
       </p:ext>
     </p:extLst>
   </p:cSld>
@@ -2066,7 +2061,7 @@
           <p:cNvPr id="2" name="Дата 1">
             <a:extLst>
               <a:ext uri="{FF2B5EF4-FFF2-40B4-BE49-F238E27FC236}">
-                <a16:creationId xmlns:a16="http://schemas.microsoft.com/office/drawing/2014/main" id="{19E48FAD-98F9-452A-9452-F01DC32AA866}"/>
+                <a16:creationId xmlns:a16="http://schemas.microsoft.com/office/drawing/2014/main" id="{A9D7444A-E824-4D76-8530-B1F0057AD2E0}"/>
               </a:ext>
             </a:extLst>
           </p:cNvPr>
@@ -2082,9 +2077,9 @@
           <a:bodyPr/>
           <a:lstStyle/>
           <a:p>
-            <a:fld id="{43C73E28-1A0C-4EA8-B1C9-AA2C69670DDA}" type="datetimeFigureOut">
+            <a:fld id="{D2F0C2F6-156B-4D04-876E-FBC8C8C22DC7}" type="datetimeFigureOut">
               <a:rPr lang="ru-RU" smtClean="0"/>
-              <a:t>09.06.2022</a:t>
+              <a:t>13.06.2022</a:t>
             </a:fld>
             <a:endParaRPr lang="ru-RU"/>
           </a:p>
@@ -2095,7 +2090,7 @@
           <p:cNvPr id="3" name="Нижний колонтитул 2">
             <a:extLst>
               <a:ext uri="{FF2B5EF4-FFF2-40B4-BE49-F238E27FC236}">
-                <a16:creationId xmlns:a16="http://schemas.microsoft.com/office/drawing/2014/main" id="{E9F1CB57-B533-4F61-8831-CCE5AB0D1D2A}"/>
+                <a16:creationId xmlns:a16="http://schemas.microsoft.com/office/drawing/2014/main" id="{FF3FFCF9-9B0A-405C-991E-9686CBE5121F}"/>
               </a:ext>
             </a:extLst>
           </p:cNvPr>
@@ -2120,7 +2115,7 @@
           <p:cNvPr id="4" name="Номер слайда 3">
             <a:extLst>
               <a:ext uri="{FF2B5EF4-FFF2-40B4-BE49-F238E27FC236}">
-                <a16:creationId xmlns:a16="http://schemas.microsoft.com/office/drawing/2014/main" id="{7098B137-DF1E-4CB0-98E0-9CB9C6D27869}"/>
+                <a16:creationId xmlns:a16="http://schemas.microsoft.com/office/drawing/2014/main" id="{294DB9CF-F0BB-4D3F-B72D-8FA6C319193D}"/>
               </a:ext>
             </a:extLst>
           </p:cNvPr>
@@ -2136,7 +2131,7 @@
           <a:bodyPr/>
           <a:lstStyle/>
           <a:p>
-            <a:fld id="{A81051DC-306D-409D-9B04-C5C94E3AD396}" type="slidenum">
+            <a:fld id="{5ED03D7F-5428-485B-B5EE-4625CDFEDAA3}" type="slidenum">
               <a:rPr lang="ru-RU" smtClean="0"/>
               <a:t>‹#›</a:t>
             </a:fld>
@@ -2147,7 +2142,7 @@
     </p:spTree>
     <p:extLst>
       <p:ext uri="{BB962C8B-B14F-4D97-AF65-F5344CB8AC3E}">
-        <p14:creationId xmlns:p14="http://schemas.microsoft.com/office/powerpoint/2010/main" val="1009693114"/>
+        <p14:creationId xmlns:p14="http://schemas.microsoft.com/office/powerpoint/2010/main" val="2482442685"/>
       </p:ext>
     </p:extLst>
   </p:cSld>
@@ -2179,7 +2174,7 @@
           <p:cNvPr id="2" name="Заголовок 1">
             <a:extLst>
               <a:ext uri="{FF2B5EF4-FFF2-40B4-BE49-F238E27FC236}">
-                <a16:creationId xmlns:a16="http://schemas.microsoft.com/office/drawing/2014/main" id="{0E9342CD-2D92-40AA-87E7-39AF4219A0AD}"/>
+                <a16:creationId xmlns:a16="http://schemas.microsoft.com/office/drawing/2014/main" id="{9C5BB334-7C75-42E7-AC7E-214530CBA777}"/>
               </a:ext>
             </a:extLst>
           </p:cNvPr>
@@ -2216,7 +2211,7 @@
           <p:cNvPr id="3" name="Объект 2">
             <a:extLst>
               <a:ext uri="{FF2B5EF4-FFF2-40B4-BE49-F238E27FC236}">
-                <a16:creationId xmlns:a16="http://schemas.microsoft.com/office/drawing/2014/main" id="{6ECF2F68-BC27-4D60-8011-302C03841D46}"/>
+                <a16:creationId xmlns:a16="http://schemas.microsoft.com/office/drawing/2014/main" id="{C8008C1B-F7FB-44F7-9F7E-F460A9163885}"/>
               </a:ext>
             </a:extLst>
           </p:cNvPr>
@@ -2306,7 +2301,7 @@
           <p:cNvPr id="4" name="Текст 3">
             <a:extLst>
               <a:ext uri="{FF2B5EF4-FFF2-40B4-BE49-F238E27FC236}">
-                <a16:creationId xmlns:a16="http://schemas.microsoft.com/office/drawing/2014/main" id="{4A132389-2B67-435B-A55E-C0F3499BF130}"/>
+                <a16:creationId xmlns:a16="http://schemas.microsoft.com/office/drawing/2014/main" id="{904878F9-55BA-41EF-BD63-8D1018B4470F}"/>
               </a:ext>
             </a:extLst>
           </p:cNvPr>
@@ -2377,7 +2372,7 @@
           <p:cNvPr id="5" name="Дата 4">
             <a:extLst>
               <a:ext uri="{FF2B5EF4-FFF2-40B4-BE49-F238E27FC236}">
-                <a16:creationId xmlns:a16="http://schemas.microsoft.com/office/drawing/2014/main" id="{F8276775-9EF9-445F-B2E3-CCC983472954}"/>
+                <a16:creationId xmlns:a16="http://schemas.microsoft.com/office/drawing/2014/main" id="{E9248F87-76FE-4BFE-834D-331D26832267}"/>
               </a:ext>
             </a:extLst>
           </p:cNvPr>
@@ -2393,9 +2388,9 @@
           <a:bodyPr/>
           <a:lstStyle/>
           <a:p>
-            <a:fld id="{43C73E28-1A0C-4EA8-B1C9-AA2C69670DDA}" type="datetimeFigureOut">
+            <a:fld id="{D2F0C2F6-156B-4D04-876E-FBC8C8C22DC7}" type="datetimeFigureOut">
               <a:rPr lang="ru-RU" smtClean="0"/>
-              <a:t>09.06.2022</a:t>
+              <a:t>13.06.2022</a:t>
             </a:fld>
             <a:endParaRPr lang="ru-RU"/>
           </a:p>
@@ -2406,7 +2401,7 @@
           <p:cNvPr id="6" name="Нижний колонтитул 5">
             <a:extLst>
               <a:ext uri="{FF2B5EF4-FFF2-40B4-BE49-F238E27FC236}">
-                <a16:creationId xmlns:a16="http://schemas.microsoft.com/office/drawing/2014/main" id="{5C56F49F-5F50-4009-84B6-B650599D08A4}"/>
+                <a16:creationId xmlns:a16="http://schemas.microsoft.com/office/drawing/2014/main" id="{11160EC9-239B-4583-8778-99D38410AA4C}"/>
               </a:ext>
             </a:extLst>
           </p:cNvPr>
@@ -2431,7 +2426,7 @@
           <p:cNvPr id="7" name="Номер слайда 6">
             <a:extLst>
               <a:ext uri="{FF2B5EF4-FFF2-40B4-BE49-F238E27FC236}">
-                <a16:creationId xmlns:a16="http://schemas.microsoft.com/office/drawing/2014/main" id="{A4589A3B-B4D1-4CB9-BFD8-CC8702EA2B8A}"/>
+                <a16:creationId xmlns:a16="http://schemas.microsoft.com/office/drawing/2014/main" id="{5DA453E7-97D0-422E-A817-2E7B766AA9FB}"/>
               </a:ext>
             </a:extLst>
           </p:cNvPr>
@@ -2447,7 +2442,7 @@
           <a:bodyPr/>
           <a:lstStyle/>
           <a:p>
-            <a:fld id="{A81051DC-306D-409D-9B04-C5C94E3AD396}" type="slidenum">
+            <a:fld id="{5ED03D7F-5428-485B-B5EE-4625CDFEDAA3}" type="slidenum">
               <a:rPr lang="ru-RU" smtClean="0"/>
               <a:t>‹#›</a:t>
             </a:fld>
@@ -2458,7 +2453,7 @@
     </p:spTree>
     <p:extLst>
       <p:ext uri="{BB962C8B-B14F-4D97-AF65-F5344CB8AC3E}">
-        <p14:creationId xmlns:p14="http://schemas.microsoft.com/office/powerpoint/2010/main" val="2160139066"/>
+        <p14:creationId xmlns:p14="http://schemas.microsoft.com/office/powerpoint/2010/main" val="3060725529"/>
       </p:ext>
     </p:extLst>
   </p:cSld>
@@ -2490,7 +2485,7 @@
           <p:cNvPr id="2" name="Заголовок 1">
             <a:extLst>
               <a:ext uri="{FF2B5EF4-FFF2-40B4-BE49-F238E27FC236}">
-                <a16:creationId xmlns:a16="http://schemas.microsoft.com/office/drawing/2014/main" id="{E974983C-5626-4756-A93C-40B1ED71BE69}"/>
+                <a16:creationId xmlns:a16="http://schemas.microsoft.com/office/drawing/2014/main" id="{0201D465-C10C-498C-8CCF-F8D8B75F2365}"/>
               </a:ext>
             </a:extLst>
           </p:cNvPr>
@@ -2527,7 +2522,7 @@
           <p:cNvPr id="3" name="Рисунок 2">
             <a:extLst>
               <a:ext uri="{FF2B5EF4-FFF2-40B4-BE49-F238E27FC236}">
-                <a16:creationId xmlns:a16="http://schemas.microsoft.com/office/drawing/2014/main" id="{2E2904F2-AA2C-4DF5-8E7F-9E8AF7E47224}"/>
+                <a16:creationId xmlns:a16="http://schemas.microsoft.com/office/drawing/2014/main" id="{17B92954-6139-4586-B92A-2D62EF1E1200}"/>
               </a:ext>
             </a:extLst>
           </p:cNvPr>
@@ -2594,7 +2589,7 @@
           <p:cNvPr id="4" name="Текст 3">
             <a:extLst>
               <a:ext uri="{FF2B5EF4-FFF2-40B4-BE49-F238E27FC236}">
-                <a16:creationId xmlns:a16="http://schemas.microsoft.com/office/drawing/2014/main" id="{2F741CF5-9315-4285-990A-248A062AF862}"/>
+                <a16:creationId xmlns:a16="http://schemas.microsoft.com/office/drawing/2014/main" id="{8115DB8D-4FEB-4E52-8D23-1182A1F797C3}"/>
               </a:ext>
             </a:extLst>
           </p:cNvPr>
@@ -2665,7 +2660,7 @@
           <p:cNvPr id="5" name="Дата 4">
             <a:extLst>
               <a:ext uri="{FF2B5EF4-FFF2-40B4-BE49-F238E27FC236}">
-                <a16:creationId xmlns:a16="http://schemas.microsoft.com/office/drawing/2014/main" id="{EC81F863-46CC-4B39-8F37-F3C9279710BF}"/>
+                <a16:creationId xmlns:a16="http://schemas.microsoft.com/office/drawing/2014/main" id="{E3B3F54E-35F6-49B0-8261-C562A1931E93}"/>
               </a:ext>
             </a:extLst>
           </p:cNvPr>
@@ -2681,9 +2676,9 @@
           <a:bodyPr/>
           <a:lstStyle/>
           <a:p>
-            <a:fld id="{43C73E28-1A0C-4EA8-B1C9-AA2C69670DDA}" type="datetimeFigureOut">
+            <a:fld id="{D2F0C2F6-156B-4D04-876E-FBC8C8C22DC7}" type="datetimeFigureOut">
               <a:rPr lang="ru-RU" smtClean="0"/>
-              <a:t>09.06.2022</a:t>
+              <a:t>13.06.2022</a:t>
             </a:fld>
             <a:endParaRPr lang="ru-RU"/>
           </a:p>
@@ -2694,7 +2689,7 @@
           <p:cNvPr id="6" name="Нижний колонтитул 5">
             <a:extLst>
               <a:ext uri="{FF2B5EF4-FFF2-40B4-BE49-F238E27FC236}">
-                <a16:creationId xmlns:a16="http://schemas.microsoft.com/office/drawing/2014/main" id="{8714CE3D-E151-45DF-B315-828EFAD3490F}"/>
+                <a16:creationId xmlns:a16="http://schemas.microsoft.com/office/drawing/2014/main" id="{457D8FDE-8A76-465B-87D1-338C36EE12C9}"/>
               </a:ext>
             </a:extLst>
           </p:cNvPr>
@@ -2719,7 +2714,7 @@
           <p:cNvPr id="7" name="Номер слайда 6">
             <a:extLst>
               <a:ext uri="{FF2B5EF4-FFF2-40B4-BE49-F238E27FC236}">
-                <a16:creationId xmlns:a16="http://schemas.microsoft.com/office/drawing/2014/main" id="{ACC649C7-371B-4A10-9418-999362058A35}"/>
+                <a16:creationId xmlns:a16="http://schemas.microsoft.com/office/drawing/2014/main" id="{9F0FC1CA-1A0E-4DDB-8D9D-1D619264673C}"/>
               </a:ext>
             </a:extLst>
           </p:cNvPr>
@@ -2735,7 +2730,7 @@
           <a:bodyPr/>
           <a:lstStyle/>
           <a:p>
-            <a:fld id="{A81051DC-306D-409D-9B04-C5C94E3AD396}" type="slidenum">
+            <a:fld id="{5ED03D7F-5428-485B-B5EE-4625CDFEDAA3}" type="slidenum">
               <a:rPr lang="ru-RU" smtClean="0"/>
               <a:t>‹#›</a:t>
             </a:fld>
@@ -2746,7 +2741,7 @@
     </p:spTree>
     <p:extLst>
       <p:ext uri="{BB962C8B-B14F-4D97-AF65-F5344CB8AC3E}">
-        <p14:creationId xmlns:p14="http://schemas.microsoft.com/office/powerpoint/2010/main" val="995110474"/>
+        <p14:creationId xmlns:p14="http://schemas.microsoft.com/office/powerpoint/2010/main" val="1884682626"/>
       </p:ext>
     </p:extLst>
   </p:cSld>
@@ -2783,7 +2778,7 @@
           <p:cNvPr id="2" name="Заголовок 1">
             <a:extLst>
               <a:ext uri="{FF2B5EF4-FFF2-40B4-BE49-F238E27FC236}">
-                <a16:creationId xmlns:a16="http://schemas.microsoft.com/office/drawing/2014/main" id="{B9BFA152-6DD3-4A18-BA43-0FCBAAF24CCF}"/>
+                <a16:creationId xmlns:a16="http://schemas.microsoft.com/office/drawing/2014/main" id="{477A3FE1-040A-483F-9439-9DFFED9F2EC6}"/>
               </a:ext>
             </a:extLst>
           </p:cNvPr>
@@ -2821,7 +2816,7 @@
           <p:cNvPr id="3" name="Текст 2">
             <a:extLst>
               <a:ext uri="{FF2B5EF4-FFF2-40B4-BE49-F238E27FC236}">
-                <a16:creationId xmlns:a16="http://schemas.microsoft.com/office/drawing/2014/main" id="{366F8299-8B58-4F98-8853-6D3C53049E4C}"/>
+                <a16:creationId xmlns:a16="http://schemas.microsoft.com/office/drawing/2014/main" id="{02AE2912-6D03-4D33-A2F4-23C8EE494623}"/>
               </a:ext>
             </a:extLst>
           </p:cNvPr>
@@ -2888,7 +2883,7 @@
           <p:cNvPr id="4" name="Дата 3">
             <a:extLst>
               <a:ext uri="{FF2B5EF4-FFF2-40B4-BE49-F238E27FC236}">
-                <a16:creationId xmlns:a16="http://schemas.microsoft.com/office/drawing/2014/main" id="{612B4D03-9E39-48C0-A54B-502FB2F8585B}"/>
+                <a16:creationId xmlns:a16="http://schemas.microsoft.com/office/drawing/2014/main" id="{38F900BB-469D-43AE-AD75-53B0FF99142A}"/>
               </a:ext>
             </a:extLst>
           </p:cNvPr>
@@ -2922,9 +2917,9 @@
             </a:lvl1pPr>
           </a:lstStyle>
           <a:p>
-            <a:fld id="{43C73E28-1A0C-4EA8-B1C9-AA2C69670DDA}" type="datetimeFigureOut">
+            <a:fld id="{D2F0C2F6-156B-4D04-876E-FBC8C8C22DC7}" type="datetimeFigureOut">
               <a:rPr lang="ru-RU" smtClean="0"/>
-              <a:t>09.06.2022</a:t>
+              <a:t>13.06.2022</a:t>
             </a:fld>
             <a:endParaRPr lang="ru-RU"/>
           </a:p>
@@ -2935,7 +2930,7 @@
           <p:cNvPr id="5" name="Нижний колонтитул 4">
             <a:extLst>
               <a:ext uri="{FF2B5EF4-FFF2-40B4-BE49-F238E27FC236}">
-                <a16:creationId xmlns:a16="http://schemas.microsoft.com/office/drawing/2014/main" id="{38F405C9-C6A6-4A80-9537-B670C57BC731}"/>
+                <a16:creationId xmlns:a16="http://schemas.microsoft.com/office/drawing/2014/main" id="{93F5B6CD-EA8F-4611-BD23-4CDAF15BB231}"/>
               </a:ext>
             </a:extLst>
           </p:cNvPr>
@@ -2978,7 +2973,7 @@
           <p:cNvPr id="6" name="Номер слайда 5">
             <a:extLst>
               <a:ext uri="{FF2B5EF4-FFF2-40B4-BE49-F238E27FC236}">
-                <a16:creationId xmlns:a16="http://schemas.microsoft.com/office/drawing/2014/main" id="{79574169-EB70-4488-A6BA-BC2DB918B1FD}"/>
+                <a16:creationId xmlns:a16="http://schemas.microsoft.com/office/drawing/2014/main" id="{9ECD630B-BB91-4AD9-86AB-AAE65D5E707A}"/>
               </a:ext>
             </a:extLst>
           </p:cNvPr>
@@ -3012,7 +3007,7 @@
             </a:lvl1pPr>
           </a:lstStyle>
           <a:p>
-            <a:fld id="{A81051DC-306D-409D-9B04-C5C94E3AD396}" type="slidenum">
+            <a:fld id="{5ED03D7F-5428-485B-B5EE-4625CDFEDAA3}" type="slidenum">
               <a:rPr lang="ru-RU" smtClean="0"/>
               <a:t>‹#›</a:t>
             </a:fld>
@@ -3023,7 +3018,7 @@
     </p:spTree>
     <p:extLst>
       <p:ext uri="{BB962C8B-B14F-4D97-AF65-F5344CB8AC3E}">
-        <p14:creationId xmlns:p14="http://schemas.microsoft.com/office/powerpoint/2010/main" val="3304087145"/>
+        <p14:creationId xmlns:p14="http://schemas.microsoft.com/office/powerpoint/2010/main" val="3142453063"/>
       </p:ext>
     </p:extLst>
   </p:cSld>
@@ -3341,12 +3336,62 @@
           <a:chExt cx="0" cy="0"/>
         </a:xfrm>
       </p:grpSpPr>
+      <p:sp>
+        <p:nvSpPr>
+          <p:cNvPr id="2" name="Заголовок 1">
+            <a:extLst>
+              <a:ext uri="{FF2B5EF4-FFF2-40B4-BE49-F238E27FC236}">
+                <a16:creationId xmlns:a16="http://schemas.microsoft.com/office/drawing/2014/main" id="{35E82C6B-0C44-4222-8410-4CA37ED62D44}"/>
+              </a:ext>
+            </a:extLst>
+          </p:cNvPr>
+          <p:cNvSpPr>
+            <a:spLocks noGrp="1"/>
+          </p:cNvSpPr>
+          <p:nvPr>
+            <p:ph type="ctrTitle"/>
+          </p:nvPr>
+        </p:nvSpPr>
+        <p:spPr/>
+        <p:txBody>
+          <a:bodyPr/>
+          <a:lstStyle/>
+          <a:p>
+            <a:endParaRPr lang="ru-RU"/>
+          </a:p>
+        </p:txBody>
+      </p:sp>
+      <p:sp>
+        <p:nvSpPr>
+          <p:cNvPr id="3" name="Подзаголовок 2">
+            <a:extLst>
+              <a:ext uri="{FF2B5EF4-FFF2-40B4-BE49-F238E27FC236}">
+                <a16:creationId xmlns:a16="http://schemas.microsoft.com/office/drawing/2014/main" id="{EAB0147A-5B7F-41EE-B580-B281A05A3526}"/>
+              </a:ext>
+            </a:extLst>
+          </p:cNvPr>
+          <p:cNvSpPr>
+            <a:spLocks noGrp="1"/>
+          </p:cNvSpPr>
+          <p:nvPr>
+            <p:ph type="subTitle" idx="1"/>
+          </p:nvPr>
+        </p:nvSpPr>
+        <p:spPr/>
+        <p:txBody>
+          <a:bodyPr/>
+          <a:lstStyle/>
+          <a:p>
+            <a:endParaRPr lang="ru-RU"/>
+          </a:p>
+        </p:txBody>
+      </p:sp>
       <p:pic>
         <p:nvPicPr>
           <p:cNvPr id="5" name="Рисунок 4">
             <a:extLst>
               <a:ext uri="{FF2B5EF4-FFF2-40B4-BE49-F238E27FC236}">
-                <a16:creationId xmlns:a16="http://schemas.microsoft.com/office/drawing/2014/main" id="{9927BE43-938A-4BCD-B100-AFEEAFFD8B44}"/>
+                <a16:creationId xmlns:a16="http://schemas.microsoft.com/office/drawing/2014/main" id="{20F8819C-2729-4857-95CF-C62527880A4D}"/>
               </a:ext>
             </a:extLst>
           </p:cNvPr>
@@ -3380,7 +3425,7 @@
     </p:spTree>
     <p:extLst>
       <p:ext uri="{BB962C8B-B14F-4D97-AF65-F5344CB8AC3E}">
-        <p14:creationId xmlns:p14="http://schemas.microsoft.com/office/powerpoint/2010/main" val="3598647938"/>
+        <p14:creationId xmlns:p14="http://schemas.microsoft.com/office/powerpoint/2010/main" val="1181663180"/>
       </p:ext>
     </p:extLst>
   </p:cSld>
@@ -3407,12 +3452,62 @@
           <a:chExt cx="0" cy="0"/>
         </a:xfrm>
       </p:grpSpPr>
+      <p:sp>
+        <p:nvSpPr>
+          <p:cNvPr id="2" name="Заголовок 1">
+            <a:extLst>
+              <a:ext uri="{FF2B5EF4-FFF2-40B4-BE49-F238E27FC236}">
+                <a16:creationId xmlns:a16="http://schemas.microsoft.com/office/drawing/2014/main" id="{35E82C6B-0C44-4222-8410-4CA37ED62D44}"/>
+              </a:ext>
+            </a:extLst>
+          </p:cNvPr>
+          <p:cNvSpPr>
+            <a:spLocks noGrp="1"/>
+          </p:cNvSpPr>
+          <p:nvPr>
+            <p:ph type="ctrTitle"/>
+          </p:nvPr>
+        </p:nvSpPr>
+        <p:spPr/>
+        <p:txBody>
+          <a:bodyPr/>
+          <a:lstStyle/>
+          <a:p>
+            <a:endParaRPr lang="ru-RU"/>
+          </a:p>
+        </p:txBody>
+      </p:sp>
+      <p:sp>
+        <p:nvSpPr>
+          <p:cNvPr id="3" name="Подзаголовок 2">
+            <a:extLst>
+              <a:ext uri="{FF2B5EF4-FFF2-40B4-BE49-F238E27FC236}">
+                <a16:creationId xmlns:a16="http://schemas.microsoft.com/office/drawing/2014/main" id="{EAB0147A-5B7F-41EE-B580-B281A05A3526}"/>
+              </a:ext>
+            </a:extLst>
+          </p:cNvPr>
+          <p:cNvSpPr>
+            <a:spLocks noGrp="1"/>
+          </p:cNvSpPr>
+          <p:nvPr>
+            <p:ph type="subTitle" idx="1"/>
+          </p:nvPr>
+        </p:nvSpPr>
+        <p:spPr/>
+        <p:txBody>
+          <a:bodyPr/>
+          <a:lstStyle/>
+          <a:p>
+            <a:endParaRPr lang="ru-RU"/>
+          </a:p>
+        </p:txBody>
+      </p:sp>
       <p:pic>
         <p:nvPicPr>
           <p:cNvPr id="5" name="Рисунок 4">
             <a:extLst>
               <a:ext uri="{FF2B5EF4-FFF2-40B4-BE49-F238E27FC236}">
-                <a16:creationId xmlns:a16="http://schemas.microsoft.com/office/drawing/2014/main" id="{9927BE43-938A-4BCD-B100-AFEEAFFD8B44}"/>
+                <a16:creationId xmlns:a16="http://schemas.microsoft.com/office/drawing/2014/main" id="{20F8819C-2729-4857-95CF-C62527880A4D}"/>
               </a:ext>
             </a:extLst>
           </p:cNvPr>
@@ -3445,10 +3540,10 @@
       </p:pic>
       <p:pic>
         <p:nvPicPr>
-          <p:cNvPr id="3" name="Рисунок 2">
-            <a:extLst>
-              <a:ext uri="{FF2B5EF4-FFF2-40B4-BE49-F238E27FC236}">
-                <a16:creationId xmlns:a16="http://schemas.microsoft.com/office/drawing/2014/main" id="{8165AF42-D93C-4DA4-8FC1-D3B96A3DB463}"/>
+          <p:cNvPr id="6" name="Рисунок 5">
+            <a:extLst>
+              <a:ext uri="{FF2B5EF4-FFF2-40B4-BE49-F238E27FC236}">
+                <a16:creationId xmlns:a16="http://schemas.microsoft.com/office/drawing/2014/main" id="{6148977D-5DDB-4703-B4F9-32F8AFC10350}"/>
               </a:ext>
             </a:extLst>
           </p:cNvPr>
@@ -3459,42 +3554,6 @@
         </p:nvPicPr>
         <p:blipFill>
           <a:blip r:embed="rId3">
-            <a:extLst>
-              <a:ext uri="{28A0092B-C50C-407E-A947-70E740481C1C}">
-                <a14:useLocalDpi xmlns:a14="http://schemas.microsoft.com/office/drawing/2010/main" val="0"/>
-              </a:ext>
-            </a:extLst>
-          </a:blip>
-          <a:stretch>
-            <a:fillRect/>
-          </a:stretch>
-        </p:blipFill>
-        <p:spPr>
-          <a:xfrm>
-            <a:off x="0" y="0"/>
-            <a:ext cx="12192000" cy="6858000"/>
-          </a:xfrm>
-          <a:prstGeom prst="rect">
-            <a:avLst/>
-          </a:prstGeom>
-        </p:spPr>
-      </p:pic>
-      <p:pic>
-        <p:nvPicPr>
-          <p:cNvPr id="4" name="Рисунок 3">
-            <a:extLst>
-              <a:ext uri="{FF2B5EF4-FFF2-40B4-BE49-F238E27FC236}">
-                <a16:creationId xmlns:a16="http://schemas.microsoft.com/office/drawing/2014/main" id="{4376CC44-40CE-4D30-9084-259D19D52D24}"/>
-              </a:ext>
-            </a:extLst>
-          </p:cNvPr>
-          <p:cNvPicPr>
-            <a:picLocks noChangeAspect="1"/>
-          </p:cNvPicPr>
-          <p:nvPr/>
-        </p:nvPicPr>
-        <p:blipFill>
-          <a:blip r:embed="rId4">
             <a:extLst>
               <a:ext uri="{28A0092B-C50C-407E-A947-70E740481C1C}">
                 <a14:useLocalDpi xmlns:a14="http://schemas.microsoft.com/office/drawing/2010/main" val="0"/>
@@ -3518,7 +3577,7 @@
     </p:spTree>
     <p:extLst>
       <p:ext uri="{BB962C8B-B14F-4D97-AF65-F5344CB8AC3E}">
-        <p14:creationId xmlns:p14="http://schemas.microsoft.com/office/powerpoint/2010/main" val="3105838650"/>
+        <p14:creationId xmlns:p14="http://schemas.microsoft.com/office/powerpoint/2010/main" val="1222196236"/>
       </p:ext>
     </p:extLst>
   </p:cSld>
@@ -3545,12 +3604,62 @@
           <a:chExt cx="0" cy="0"/>
         </a:xfrm>
       </p:grpSpPr>
+      <p:sp>
+        <p:nvSpPr>
+          <p:cNvPr id="2" name="Заголовок 1">
+            <a:extLst>
+              <a:ext uri="{FF2B5EF4-FFF2-40B4-BE49-F238E27FC236}">
+                <a16:creationId xmlns:a16="http://schemas.microsoft.com/office/drawing/2014/main" id="{35E82C6B-0C44-4222-8410-4CA37ED62D44}"/>
+              </a:ext>
+            </a:extLst>
+          </p:cNvPr>
+          <p:cNvSpPr>
+            <a:spLocks noGrp="1"/>
+          </p:cNvSpPr>
+          <p:nvPr>
+            <p:ph type="ctrTitle"/>
+          </p:nvPr>
+        </p:nvSpPr>
+        <p:spPr/>
+        <p:txBody>
+          <a:bodyPr/>
+          <a:lstStyle/>
+          <a:p>
+            <a:endParaRPr lang="ru-RU"/>
+          </a:p>
+        </p:txBody>
+      </p:sp>
+      <p:sp>
+        <p:nvSpPr>
+          <p:cNvPr id="3" name="Подзаголовок 2">
+            <a:extLst>
+              <a:ext uri="{FF2B5EF4-FFF2-40B4-BE49-F238E27FC236}">
+                <a16:creationId xmlns:a16="http://schemas.microsoft.com/office/drawing/2014/main" id="{EAB0147A-5B7F-41EE-B580-B281A05A3526}"/>
+              </a:ext>
+            </a:extLst>
+          </p:cNvPr>
+          <p:cNvSpPr>
+            <a:spLocks noGrp="1"/>
+          </p:cNvSpPr>
+          <p:nvPr>
+            <p:ph type="subTitle" idx="1"/>
+          </p:nvPr>
+        </p:nvSpPr>
+        <p:spPr/>
+        <p:txBody>
+          <a:bodyPr/>
+          <a:lstStyle/>
+          <a:p>
+            <a:endParaRPr lang="ru-RU"/>
+          </a:p>
+        </p:txBody>
+      </p:sp>
       <p:pic>
         <p:nvPicPr>
           <p:cNvPr id="5" name="Рисунок 4">
             <a:extLst>
               <a:ext uri="{FF2B5EF4-FFF2-40B4-BE49-F238E27FC236}">
-                <a16:creationId xmlns:a16="http://schemas.microsoft.com/office/drawing/2014/main" id="{9927BE43-938A-4BCD-B100-AFEEAFFD8B44}"/>
+                <a16:creationId xmlns:a16="http://schemas.microsoft.com/office/drawing/2014/main" id="{20F8819C-2729-4857-95CF-C62527880A4D}"/>
               </a:ext>
             </a:extLst>
           </p:cNvPr>
@@ -3583,10 +3692,10 @@
       </p:pic>
       <p:pic>
         <p:nvPicPr>
-          <p:cNvPr id="3" name="Рисунок 2">
-            <a:extLst>
-              <a:ext uri="{FF2B5EF4-FFF2-40B4-BE49-F238E27FC236}">
-                <a16:creationId xmlns:a16="http://schemas.microsoft.com/office/drawing/2014/main" id="{8165AF42-D93C-4DA4-8FC1-D3B96A3DB463}"/>
+          <p:cNvPr id="6" name="Рисунок 5">
+            <a:extLst>
+              <a:ext uri="{FF2B5EF4-FFF2-40B4-BE49-F238E27FC236}">
+                <a16:creationId xmlns:a16="http://schemas.microsoft.com/office/drawing/2014/main" id="{7B4BCB0A-9582-42BF-8C66-A063A40A9594}"/>
               </a:ext>
             </a:extLst>
           </p:cNvPr>
@@ -3597,42 +3706,6 @@
         </p:nvPicPr>
         <p:blipFill>
           <a:blip r:embed="rId3">
-            <a:extLst>
-              <a:ext uri="{28A0092B-C50C-407E-A947-70E740481C1C}">
-                <a14:useLocalDpi xmlns:a14="http://schemas.microsoft.com/office/drawing/2010/main" val="0"/>
-              </a:ext>
-            </a:extLst>
-          </a:blip>
-          <a:stretch>
-            <a:fillRect/>
-          </a:stretch>
-        </p:blipFill>
-        <p:spPr>
-          <a:xfrm>
-            <a:off x="0" y="0"/>
-            <a:ext cx="12192000" cy="6858000"/>
-          </a:xfrm>
-          <a:prstGeom prst="rect">
-            <a:avLst/>
-          </a:prstGeom>
-        </p:spPr>
-      </p:pic>
-      <p:pic>
-        <p:nvPicPr>
-          <p:cNvPr id="4" name="Рисунок 3">
-            <a:extLst>
-              <a:ext uri="{FF2B5EF4-FFF2-40B4-BE49-F238E27FC236}">
-                <a16:creationId xmlns:a16="http://schemas.microsoft.com/office/drawing/2014/main" id="{CDE2562F-3366-46AC-AADB-08CBD9558856}"/>
-              </a:ext>
-            </a:extLst>
-          </p:cNvPr>
-          <p:cNvPicPr>
-            <a:picLocks noChangeAspect="1"/>
-          </p:cNvPicPr>
-          <p:nvPr/>
-        </p:nvPicPr>
-        <p:blipFill>
-          <a:blip r:embed="rId4">
             <a:extLst>
               <a:ext uri="{28A0092B-C50C-407E-A947-70E740481C1C}">
                 <a14:useLocalDpi xmlns:a14="http://schemas.microsoft.com/office/drawing/2010/main" val="0"/>
@@ -3656,7 +3729,7 @@
     </p:spTree>
     <p:extLst>
       <p:ext uri="{BB962C8B-B14F-4D97-AF65-F5344CB8AC3E}">
-        <p14:creationId xmlns:p14="http://schemas.microsoft.com/office/powerpoint/2010/main" val="2974272856"/>
+        <p14:creationId xmlns:p14="http://schemas.microsoft.com/office/powerpoint/2010/main" val="3849519050"/>
       </p:ext>
     </p:extLst>
   </p:cSld>
@@ -3683,12 +3756,62 @@
           <a:chExt cx="0" cy="0"/>
         </a:xfrm>
       </p:grpSpPr>
+      <p:sp>
+        <p:nvSpPr>
+          <p:cNvPr id="2" name="Заголовок 1">
+            <a:extLst>
+              <a:ext uri="{FF2B5EF4-FFF2-40B4-BE49-F238E27FC236}">
+                <a16:creationId xmlns:a16="http://schemas.microsoft.com/office/drawing/2014/main" id="{35E82C6B-0C44-4222-8410-4CA37ED62D44}"/>
+              </a:ext>
+            </a:extLst>
+          </p:cNvPr>
+          <p:cNvSpPr>
+            <a:spLocks noGrp="1"/>
+          </p:cNvSpPr>
+          <p:nvPr>
+            <p:ph type="ctrTitle"/>
+          </p:nvPr>
+        </p:nvSpPr>
+        <p:spPr/>
+        <p:txBody>
+          <a:bodyPr/>
+          <a:lstStyle/>
+          <a:p>
+            <a:endParaRPr lang="ru-RU"/>
+          </a:p>
+        </p:txBody>
+      </p:sp>
+      <p:sp>
+        <p:nvSpPr>
+          <p:cNvPr id="3" name="Подзаголовок 2">
+            <a:extLst>
+              <a:ext uri="{FF2B5EF4-FFF2-40B4-BE49-F238E27FC236}">
+                <a16:creationId xmlns:a16="http://schemas.microsoft.com/office/drawing/2014/main" id="{EAB0147A-5B7F-41EE-B580-B281A05A3526}"/>
+              </a:ext>
+            </a:extLst>
+          </p:cNvPr>
+          <p:cNvSpPr>
+            <a:spLocks noGrp="1"/>
+          </p:cNvSpPr>
+          <p:nvPr>
+            <p:ph type="subTitle" idx="1"/>
+          </p:nvPr>
+        </p:nvSpPr>
+        <p:spPr/>
+        <p:txBody>
+          <a:bodyPr/>
+          <a:lstStyle/>
+          <a:p>
+            <a:endParaRPr lang="ru-RU"/>
+          </a:p>
+        </p:txBody>
+      </p:sp>
       <p:pic>
         <p:nvPicPr>
           <p:cNvPr id="5" name="Рисунок 4">
             <a:extLst>
               <a:ext uri="{FF2B5EF4-FFF2-40B4-BE49-F238E27FC236}">
-                <a16:creationId xmlns:a16="http://schemas.microsoft.com/office/drawing/2014/main" id="{9927BE43-938A-4BCD-B100-AFEEAFFD8B44}"/>
+                <a16:creationId xmlns:a16="http://schemas.microsoft.com/office/drawing/2014/main" id="{20F8819C-2729-4857-95CF-C62527880A4D}"/>
               </a:ext>
             </a:extLst>
           </p:cNvPr>
@@ -3721,10 +3844,10 @@
       </p:pic>
       <p:pic>
         <p:nvPicPr>
-          <p:cNvPr id="3" name="Рисунок 2">
-            <a:extLst>
-              <a:ext uri="{FF2B5EF4-FFF2-40B4-BE49-F238E27FC236}">
-                <a16:creationId xmlns:a16="http://schemas.microsoft.com/office/drawing/2014/main" id="{8165AF42-D93C-4DA4-8FC1-D3B96A3DB463}"/>
+          <p:cNvPr id="6" name="Рисунок 5">
+            <a:extLst>
+              <a:ext uri="{FF2B5EF4-FFF2-40B4-BE49-F238E27FC236}">
+                <a16:creationId xmlns:a16="http://schemas.microsoft.com/office/drawing/2014/main" id="{FE1B789B-F588-47E7-95AD-DAE1FC7C6A25}"/>
               </a:ext>
             </a:extLst>
           </p:cNvPr>
@@ -3735,42 +3858,6 @@
         </p:nvPicPr>
         <p:blipFill>
           <a:blip r:embed="rId3">
-            <a:extLst>
-              <a:ext uri="{28A0092B-C50C-407E-A947-70E740481C1C}">
-                <a14:useLocalDpi xmlns:a14="http://schemas.microsoft.com/office/drawing/2010/main" val="0"/>
-              </a:ext>
-            </a:extLst>
-          </a:blip>
-          <a:stretch>
-            <a:fillRect/>
-          </a:stretch>
-        </p:blipFill>
-        <p:spPr>
-          <a:xfrm>
-            <a:off x="0" y="0"/>
-            <a:ext cx="12192000" cy="6858000"/>
-          </a:xfrm>
-          <a:prstGeom prst="rect">
-            <a:avLst/>
-          </a:prstGeom>
-        </p:spPr>
-      </p:pic>
-      <p:pic>
-        <p:nvPicPr>
-          <p:cNvPr id="4" name="Рисунок 3">
-            <a:extLst>
-              <a:ext uri="{FF2B5EF4-FFF2-40B4-BE49-F238E27FC236}">
-                <a16:creationId xmlns:a16="http://schemas.microsoft.com/office/drawing/2014/main" id="{2B228922-750C-4704-A682-FCB5EB504F23}"/>
-              </a:ext>
-            </a:extLst>
-          </p:cNvPr>
-          <p:cNvPicPr>
-            <a:picLocks noChangeAspect="1"/>
-          </p:cNvPicPr>
-          <p:nvPr/>
-        </p:nvPicPr>
-        <p:blipFill>
-          <a:blip r:embed="rId4">
             <a:extLst>
               <a:ext uri="{28A0092B-C50C-407E-A947-70E740481C1C}">
                 <a14:useLocalDpi xmlns:a14="http://schemas.microsoft.com/office/drawing/2010/main" val="0"/>
@@ -3794,7 +3881,7 @@
     </p:spTree>
     <p:extLst>
       <p:ext uri="{BB962C8B-B14F-4D97-AF65-F5344CB8AC3E}">
-        <p14:creationId xmlns:p14="http://schemas.microsoft.com/office/powerpoint/2010/main" val="4136839294"/>
+        <p14:creationId xmlns:p14="http://schemas.microsoft.com/office/powerpoint/2010/main" val="1842678858"/>
       </p:ext>
     </p:extLst>
   </p:cSld>
@@ -3821,12 +3908,62 @@
           <a:chExt cx="0" cy="0"/>
         </a:xfrm>
       </p:grpSpPr>
+      <p:sp>
+        <p:nvSpPr>
+          <p:cNvPr id="2" name="Заголовок 1">
+            <a:extLst>
+              <a:ext uri="{FF2B5EF4-FFF2-40B4-BE49-F238E27FC236}">
+                <a16:creationId xmlns:a16="http://schemas.microsoft.com/office/drawing/2014/main" id="{35E82C6B-0C44-4222-8410-4CA37ED62D44}"/>
+              </a:ext>
+            </a:extLst>
+          </p:cNvPr>
+          <p:cNvSpPr>
+            <a:spLocks noGrp="1"/>
+          </p:cNvSpPr>
+          <p:nvPr>
+            <p:ph type="ctrTitle"/>
+          </p:nvPr>
+        </p:nvSpPr>
+        <p:spPr/>
+        <p:txBody>
+          <a:bodyPr/>
+          <a:lstStyle/>
+          <a:p>
+            <a:endParaRPr lang="ru-RU"/>
+          </a:p>
+        </p:txBody>
+      </p:sp>
+      <p:sp>
+        <p:nvSpPr>
+          <p:cNvPr id="3" name="Подзаголовок 2">
+            <a:extLst>
+              <a:ext uri="{FF2B5EF4-FFF2-40B4-BE49-F238E27FC236}">
+                <a16:creationId xmlns:a16="http://schemas.microsoft.com/office/drawing/2014/main" id="{EAB0147A-5B7F-41EE-B580-B281A05A3526}"/>
+              </a:ext>
+            </a:extLst>
+          </p:cNvPr>
+          <p:cNvSpPr>
+            <a:spLocks noGrp="1"/>
+          </p:cNvSpPr>
+          <p:nvPr>
+            <p:ph type="subTitle" idx="1"/>
+          </p:nvPr>
+        </p:nvSpPr>
+        <p:spPr/>
+        <p:txBody>
+          <a:bodyPr/>
+          <a:lstStyle/>
+          <a:p>
+            <a:endParaRPr lang="ru-RU"/>
+          </a:p>
+        </p:txBody>
+      </p:sp>
       <p:pic>
         <p:nvPicPr>
           <p:cNvPr id="5" name="Рисунок 4">
             <a:extLst>
               <a:ext uri="{FF2B5EF4-FFF2-40B4-BE49-F238E27FC236}">
-                <a16:creationId xmlns:a16="http://schemas.microsoft.com/office/drawing/2014/main" id="{9927BE43-938A-4BCD-B100-AFEEAFFD8B44}"/>
+                <a16:creationId xmlns:a16="http://schemas.microsoft.com/office/drawing/2014/main" id="{20F8819C-2729-4857-95CF-C62527880A4D}"/>
               </a:ext>
             </a:extLst>
           </p:cNvPr>
@@ -3837,78 +3974,6 @@
         </p:nvPicPr>
         <p:blipFill>
           <a:blip r:embed="rId2">
-            <a:extLst>
-              <a:ext uri="{28A0092B-C50C-407E-A947-70E740481C1C}">
-                <a14:useLocalDpi xmlns:a14="http://schemas.microsoft.com/office/drawing/2010/main" val="0"/>
-              </a:ext>
-            </a:extLst>
-          </a:blip>
-          <a:stretch>
-            <a:fillRect/>
-          </a:stretch>
-        </p:blipFill>
-        <p:spPr>
-          <a:xfrm>
-            <a:off x="0" y="0"/>
-            <a:ext cx="12192000" cy="6858000"/>
-          </a:xfrm>
-          <a:prstGeom prst="rect">
-            <a:avLst/>
-          </a:prstGeom>
-        </p:spPr>
-      </p:pic>
-      <p:pic>
-        <p:nvPicPr>
-          <p:cNvPr id="3" name="Рисунок 2">
-            <a:extLst>
-              <a:ext uri="{FF2B5EF4-FFF2-40B4-BE49-F238E27FC236}">
-                <a16:creationId xmlns:a16="http://schemas.microsoft.com/office/drawing/2014/main" id="{8165AF42-D93C-4DA4-8FC1-D3B96A3DB463}"/>
-              </a:ext>
-            </a:extLst>
-          </p:cNvPr>
-          <p:cNvPicPr>
-            <a:picLocks noChangeAspect="1"/>
-          </p:cNvPicPr>
-          <p:nvPr/>
-        </p:nvPicPr>
-        <p:blipFill>
-          <a:blip r:embed="rId3">
-            <a:extLst>
-              <a:ext uri="{28A0092B-C50C-407E-A947-70E740481C1C}">
-                <a14:useLocalDpi xmlns:a14="http://schemas.microsoft.com/office/drawing/2010/main" val="0"/>
-              </a:ext>
-            </a:extLst>
-          </a:blip>
-          <a:stretch>
-            <a:fillRect/>
-          </a:stretch>
-        </p:blipFill>
-        <p:spPr>
-          <a:xfrm>
-            <a:off x="0" y="0"/>
-            <a:ext cx="12192000" cy="6858000"/>
-          </a:xfrm>
-          <a:prstGeom prst="rect">
-            <a:avLst/>
-          </a:prstGeom>
-        </p:spPr>
-      </p:pic>
-      <p:pic>
-        <p:nvPicPr>
-          <p:cNvPr id="4" name="Рисунок 3">
-            <a:extLst>
-              <a:ext uri="{FF2B5EF4-FFF2-40B4-BE49-F238E27FC236}">
-                <a16:creationId xmlns:a16="http://schemas.microsoft.com/office/drawing/2014/main" id="{2B228922-750C-4704-A682-FCB5EB504F23}"/>
-              </a:ext>
-            </a:extLst>
-          </p:cNvPr>
-          <p:cNvPicPr>
-            <a:picLocks noChangeAspect="1"/>
-          </p:cNvPicPr>
-          <p:nvPr/>
-        </p:nvPicPr>
-        <p:blipFill>
-          <a:blip r:embed="rId4">
             <a:extLst>
               <a:ext uri="{28A0092B-C50C-407E-A947-70E740481C1C}">
                 <a14:useLocalDpi xmlns:a14="http://schemas.microsoft.com/office/drawing/2010/main" val="0"/>
@@ -3934,7 +3999,7 @@
           <p:cNvPr id="6" name="Рисунок 5">
             <a:extLst>
               <a:ext uri="{FF2B5EF4-FFF2-40B4-BE49-F238E27FC236}">
-                <a16:creationId xmlns:a16="http://schemas.microsoft.com/office/drawing/2014/main" id="{EB64743B-FFD8-4C04-B804-E10FBE9B872B}"/>
+                <a16:creationId xmlns:a16="http://schemas.microsoft.com/office/drawing/2014/main" id="{592792F6-5C6B-41C0-818C-786445309A0E}"/>
               </a:ext>
             </a:extLst>
           </p:cNvPr>
@@ -3944,7 +4009,7 @@
           <p:nvPr/>
         </p:nvPicPr>
         <p:blipFill>
-          <a:blip r:embed="rId5">
+          <a:blip r:embed="rId3">
             <a:extLst>
               <a:ext uri="{28A0092B-C50C-407E-A947-70E740481C1C}">
                 <a14:useLocalDpi xmlns:a14="http://schemas.microsoft.com/office/drawing/2010/main" val="0"/>
@@ -3968,7 +4033,7 @@
     </p:spTree>
     <p:extLst>
       <p:ext uri="{BB962C8B-B14F-4D97-AF65-F5344CB8AC3E}">
-        <p14:creationId xmlns:p14="http://schemas.microsoft.com/office/powerpoint/2010/main" val="339081608"/>
+        <p14:creationId xmlns:p14="http://schemas.microsoft.com/office/powerpoint/2010/main" val="2752711038"/>
       </p:ext>
     </p:extLst>
   </p:cSld>
@@ -3995,12 +4060,62 @@
           <a:chExt cx="0" cy="0"/>
         </a:xfrm>
       </p:grpSpPr>
+      <p:sp>
+        <p:nvSpPr>
+          <p:cNvPr id="2" name="Заголовок 1">
+            <a:extLst>
+              <a:ext uri="{FF2B5EF4-FFF2-40B4-BE49-F238E27FC236}">
+                <a16:creationId xmlns:a16="http://schemas.microsoft.com/office/drawing/2014/main" id="{35E82C6B-0C44-4222-8410-4CA37ED62D44}"/>
+              </a:ext>
+            </a:extLst>
+          </p:cNvPr>
+          <p:cNvSpPr>
+            <a:spLocks noGrp="1"/>
+          </p:cNvSpPr>
+          <p:nvPr>
+            <p:ph type="ctrTitle"/>
+          </p:nvPr>
+        </p:nvSpPr>
+        <p:spPr/>
+        <p:txBody>
+          <a:bodyPr/>
+          <a:lstStyle/>
+          <a:p>
+            <a:endParaRPr lang="ru-RU"/>
+          </a:p>
+        </p:txBody>
+      </p:sp>
+      <p:sp>
+        <p:nvSpPr>
+          <p:cNvPr id="3" name="Подзаголовок 2">
+            <a:extLst>
+              <a:ext uri="{FF2B5EF4-FFF2-40B4-BE49-F238E27FC236}">
+                <a16:creationId xmlns:a16="http://schemas.microsoft.com/office/drawing/2014/main" id="{EAB0147A-5B7F-41EE-B580-B281A05A3526}"/>
+              </a:ext>
+            </a:extLst>
+          </p:cNvPr>
+          <p:cNvSpPr>
+            <a:spLocks noGrp="1"/>
+          </p:cNvSpPr>
+          <p:nvPr>
+            <p:ph type="subTitle" idx="1"/>
+          </p:nvPr>
+        </p:nvSpPr>
+        <p:spPr/>
+        <p:txBody>
+          <a:bodyPr/>
+          <a:lstStyle/>
+          <a:p>
+            <a:endParaRPr lang="ru-RU"/>
+          </a:p>
+        </p:txBody>
+      </p:sp>
       <p:pic>
         <p:nvPicPr>
           <p:cNvPr id="5" name="Рисунок 4">
             <a:extLst>
               <a:ext uri="{FF2B5EF4-FFF2-40B4-BE49-F238E27FC236}">
-                <a16:creationId xmlns:a16="http://schemas.microsoft.com/office/drawing/2014/main" id="{9927BE43-938A-4BCD-B100-AFEEAFFD8B44}"/>
+                <a16:creationId xmlns:a16="http://schemas.microsoft.com/office/drawing/2014/main" id="{20F8819C-2729-4857-95CF-C62527880A4D}"/>
               </a:ext>
             </a:extLst>
           </p:cNvPr>
@@ -4011,78 +4126,6 @@
         </p:nvPicPr>
         <p:blipFill>
           <a:blip r:embed="rId2">
-            <a:extLst>
-              <a:ext uri="{28A0092B-C50C-407E-A947-70E740481C1C}">
-                <a14:useLocalDpi xmlns:a14="http://schemas.microsoft.com/office/drawing/2010/main" val="0"/>
-              </a:ext>
-            </a:extLst>
-          </a:blip>
-          <a:stretch>
-            <a:fillRect/>
-          </a:stretch>
-        </p:blipFill>
-        <p:spPr>
-          <a:xfrm>
-            <a:off x="0" y="0"/>
-            <a:ext cx="12192000" cy="6858000"/>
-          </a:xfrm>
-          <a:prstGeom prst="rect">
-            <a:avLst/>
-          </a:prstGeom>
-        </p:spPr>
-      </p:pic>
-      <p:pic>
-        <p:nvPicPr>
-          <p:cNvPr id="3" name="Рисунок 2">
-            <a:extLst>
-              <a:ext uri="{FF2B5EF4-FFF2-40B4-BE49-F238E27FC236}">
-                <a16:creationId xmlns:a16="http://schemas.microsoft.com/office/drawing/2014/main" id="{8165AF42-D93C-4DA4-8FC1-D3B96A3DB463}"/>
-              </a:ext>
-            </a:extLst>
-          </p:cNvPr>
-          <p:cNvPicPr>
-            <a:picLocks noChangeAspect="1"/>
-          </p:cNvPicPr>
-          <p:nvPr/>
-        </p:nvPicPr>
-        <p:blipFill>
-          <a:blip r:embed="rId3">
-            <a:extLst>
-              <a:ext uri="{28A0092B-C50C-407E-A947-70E740481C1C}">
-                <a14:useLocalDpi xmlns:a14="http://schemas.microsoft.com/office/drawing/2010/main" val="0"/>
-              </a:ext>
-            </a:extLst>
-          </a:blip>
-          <a:stretch>
-            <a:fillRect/>
-          </a:stretch>
-        </p:blipFill>
-        <p:spPr>
-          <a:xfrm>
-            <a:off x="0" y="0"/>
-            <a:ext cx="12192000" cy="6858000"/>
-          </a:xfrm>
-          <a:prstGeom prst="rect">
-            <a:avLst/>
-          </a:prstGeom>
-        </p:spPr>
-      </p:pic>
-      <p:pic>
-        <p:nvPicPr>
-          <p:cNvPr id="4" name="Рисунок 3">
-            <a:extLst>
-              <a:ext uri="{FF2B5EF4-FFF2-40B4-BE49-F238E27FC236}">
-                <a16:creationId xmlns:a16="http://schemas.microsoft.com/office/drawing/2014/main" id="{2B228922-750C-4704-A682-FCB5EB504F23}"/>
-              </a:ext>
-            </a:extLst>
-          </p:cNvPr>
-          <p:cNvPicPr>
-            <a:picLocks noChangeAspect="1"/>
-          </p:cNvPicPr>
-          <p:nvPr/>
-        </p:nvPicPr>
-        <p:blipFill>
-          <a:blip r:embed="rId4">
             <a:extLst>
               <a:ext uri="{28A0092B-C50C-407E-A947-70E740481C1C}">
                 <a14:useLocalDpi xmlns:a14="http://schemas.microsoft.com/office/drawing/2010/main" val="0"/>
@@ -4108,7 +4151,7 @@
           <p:cNvPr id="6" name="Рисунок 5">
             <a:extLst>
               <a:ext uri="{FF2B5EF4-FFF2-40B4-BE49-F238E27FC236}">
-                <a16:creationId xmlns:a16="http://schemas.microsoft.com/office/drawing/2014/main" id="{EB64743B-FFD8-4C04-B804-E10FBE9B872B}"/>
+                <a16:creationId xmlns:a16="http://schemas.microsoft.com/office/drawing/2014/main" id="{83EC2AC5-2D79-48A7-89F6-4F461E72ADB0}"/>
               </a:ext>
             </a:extLst>
           </p:cNvPr>
@@ -4118,43 +4161,7 @@
           <p:nvPr/>
         </p:nvPicPr>
         <p:blipFill>
-          <a:blip r:embed="rId5">
-            <a:extLst>
-              <a:ext uri="{28A0092B-C50C-407E-A947-70E740481C1C}">
-                <a14:useLocalDpi xmlns:a14="http://schemas.microsoft.com/office/drawing/2010/main" val="0"/>
-              </a:ext>
-            </a:extLst>
-          </a:blip>
-          <a:stretch>
-            <a:fillRect/>
-          </a:stretch>
-        </p:blipFill>
-        <p:spPr>
-          <a:xfrm>
-            <a:off x="0" y="0"/>
-            <a:ext cx="12192000" cy="6858000"/>
-          </a:xfrm>
-          <a:prstGeom prst="rect">
-            <a:avLst/>
-          </a:prstGeom>
-        </p:spPr>
-      </p:pic>
-      <p:pic>
-        <p:nvPicPr>
-          <p:cNvPr id="7" name="Рисунок 6">
-            <a:extLst>
-              <a:ext uri="{FF2B5EF4-FFF2-40B4-BE49-F238E27FC236}">
-                <a16:creationId xmlns:a16="http://schemas.microsoft.com/office/drawing/2014/main" id="{91792DE8-DE88-4A08-8D45-9245604B7491}"/>
-              </a:ext>
-            </a:extLst>
-          </p:cNvPr>
-          <p:cNvPicPr>
-            <a:picLocks noChangeAspect="1"/>
-          </p:cNvPicPr>
-          <p:nvPr/>
-        </p:nvPicPr>
-        <p:blipFill>
-          <a:blip r:embed="rId6">
+          <a:blip r:embed="rId3">
             <a:extLst>
               <a:ext uri="{28A0092B-C50C-407E-A947-70E740481C1C}">
                 <a14:useLocalDpi xmlns:a14="http://schemas.microsoft.com/office/drawing/2010/main" val="0"/>
@@ -4178,7 +4185,7 @@
     </p:spTree>
     <p:extLst>
       <p:ext uri="{BB962C8B-B14F-4D97-AF65-F5344CB8AC3E}">
-        <p14:creationId xmlns:p14="http://schemas.microsoft.com/office/powerpoint/2010/main" val="2712224736"/>
+        <p14:creationId xmlns:p14="http://schemas.microsoft.com/office/powerpoint/2010/main" val="3260280890"/>
       </p:ext>
     </p:extLst>
   </p:cSld>
@@ -4205,12 +4212,62 @@
           <a:chExt cx="0" cy="0"/>
         </a:xfrm>
       </p:grpSpPr>
+      <p:sp>
+        <p:nvSpPr>
+          <p:cNvPr id="2" name="Заголовок 1">
+            <a:extLst>
+              <a:ext uri="{FF2B5EF4-FFF2-40B4-BE49-F238E27FC236}">
+                <a16:creationId xmlns:a16="http://schemas.microsoft.com/office/drawing/2014/main" id="{35E82C6B-0C44-4222-8410-4CA37ED62D44}"/>
+              </a:ext>
+            </a:extLst>
+          </p:cNvPr>
+          <p:cNvSpPr>
+            <a:spLocks noGrp="1"/>
+          </p:cNvSpPr>
+          <p:nvPr>
+            <p:ph type="ctrTitle"/>
+          </p:nvPr>
+        </p:nvSpPr>
+        <p:spPr/>
+        <p:txBody>
+          <a:bodyPr/>
+          <a:lstStyle/>
+          <a:p>
+            <a:endParaRPr lang="ru-RU"/>
+          </a:p>
+        </p:txBody>
+      </p:sp>
+      <p:sp>
+        <p:nvSpPr>
+          <p:cNvPr id="3" name="Подзаголовок 2">
+            <a:extLst>
+              <a:ext uri="{FF2B5EF4-FFF2-40B4-BE49-F238E27FC236}">
+                <a16:creationId xmlns:a16="http://schemas.microsoft.com/office/drawing/2014/main" id="{EAB0147A-5B7F-41EE-B580-B281A05A3526}"/>
+              </a:ext>
+            </a:extLst>
+          </p:cNvPr>
+          <p:cNvSpPr>
+            <a:spLocks noGrp="1"/>
+          </p:cNvSpPr>
+          <p:nvPr>
+            <p:ph type="subTitle" idx="1"/>
+          </p:nvPr>
+        </p:nvSpPr>
+        <p:spPr/>
+        <p:txBody>
+          <a:bodyPr/>
+          <a:lstStyle/>
+          <a:p>
+            <a:endParaRPr lang="ru-RU"/>
+          </a:p>
+        </p:txBody>
+      </p:sp>
       <p:pic>
         <p:nvPicPr>
           <p:cNvPr id="5" name="Рисунок 4">
             <a:extLst>
               <a:ext uri="{FF2B5EF4-FFF2-40B4-BE49-F238E27FC236}">
-                <a16:creationId xmlns:a16="http://schemas.microsoft.com/office/drawing/2014/main" id="{9927BE43-938A-4BCD-B100-AFEEAFFD8B44}"/>
+                <a16:creationId xmlns:a16="http://schemas.microsoft.com/office/drawing/2014/main" id="{20F8819C-2729-4857-95CF-C62527880A4D}"/>
               </a:ext>
             </a:extLst>
           </p:cNvPr>
@@ -4221,78 +4278,6 @@
         </p:nvPicPr>
         <p:blipFill>
           <a:blip r:embed="rId2">
-            <a:extLst>
-              <a:ext uri="{28A0092B-C50C-407E-A947-70E740481C1C}">
-                <a14:useLocalDpi xmlns:a14="http://schemas.microsoft.com/office/drawing/2010/main" val="0"/>
-              </a:ext>
-            </a:extLst>
-          </a:blip>
-          <a:stretch>
-            <a:fillRect/>
-          </a:stretch>
-        </p:blipFill>
-        <p:spPr>
-          <a:xfrm>
-            <a:off x="0" y="0"/>
-            <a:ext cx="12192000" cy="6858000"/>
-          </a:xfrm>
-          <a:prstGeom prst="rect">
-            <a:avLst/>
-          </a:prstGeom>
-        </p:spPr>
-      </p:pic>
-      <p:pic>
-        <p:nvPicPr>
-          <p:cNvPr id="3" name="Рисунок 2">
-            <a:extLst>
-              <a:ext uri="{FF2B5EF4-FFF2-40B4-BE49-F238E27FC236}">
-                <a16:creationId xmlns:a16="http://schemas.microsoft.com/office/drawing/2014/main" id="{8165AF42-D93C-4DA4-8FC1-D3B96A3DB463}"/>
-              </a:ext>
-            </a:extLst>
-          </p:cNvPr>
-          <p:cNvPicPr>
-            <a:picLocks noChangeAspect="1"/>
-          </p:cNvPicPr>
-          <p:nvPr/>
-        </p:nvPicPr>
-        <p:blipFill>
-          <a:blip r:embed="rId3">
-            <a:extLst>
-              <a:ext uri="{28A0092B-C50C-407E-A947-70E740481C1C}">
-                <a14:useLocalDpi xmlns:a14="http://schemas.microsoft.com/office/drawing/2010/main" val="0"/>
-              </a:ext>
-            </a:extLst>
-          </a:blip>
-          <a:stretch>
-            <a:fillRect/>
-          </a:stretch>
-        </p:blipFill>
-        <p:spPr>
-          <a:xfrm>
-            <a:off x="0" y="0"/>
-            <a:ext cx="12192000" cy="6858000"/>
-          </a:xfrm>
-          <a:prstGeom prst="rect">
-            <a:avLst/>
-          </a:prstGeom>
-        </p:spPr>
-      </p:pic>
-      <p:pic>
-        <p:nvPicPr>
-          <p:cNvPr id="4" name="Рисунок 3">
-            <a:extLst>
-              <a:ext uri="{FF2B5EF4-FFF2-40B4-BE49-F238E27FC236}">
-                <a16:creationId xmlns:a16="http://schemas.microsoft.com/office/drawing/2014/main" id="{2B228922-750C-4704-A682-FCB5EB504F23}"/>
-              </a:ext>
-            </a:extLst>
-          </p:cNvPr>
-          <p:cNvPicPr>
-            <a:picLocks noChangeAspect="1"/>
-          </p:cNvPicPr>
-          <p:nvPr/>
-        </p:nvPicPr>
-        <p:blipFill>
-          <a:blip r:embed="rId4">
             <a:extLst>
               <a:ext uri="{28A0092B-C50C-407E-A947-70E740481C1C}">
                 <a14:useLocalDpi xmlns:a14="http://schemas.microsoft.com/office/drawing/2010/main" val="0"/>
@@ -4318,7 +4303,7 @@
           <p:cNvPr id="6" name="Рисунок 5">
             <a:extLst>
               <a:ext uri="{FF2B5EF4-FFF2-40B4-BE49-F238E27FC236}">
-                <a16:creationId xmlns:a16="http://schemas.microsoft.com/office/drawing/2014/main" id="{EB64743B-FFD8-4C04-B804-E10FBE9B872B}"/>
+                <a16:creationId xmlns:a16="http://schemas.microsoft.com/office/drawing/2014/main" id="{E63C66C4-BE7C-4714-8E54-00F6BED5FA88}"/>
               </a:ext>
             </a:extLst>
           </p:cNvPr>
@@ -4328,43 +4313,7 @@
           <p:nvPr/>
         </p:nvPicPr>
         <p:blipFill>
-          <a:blip r:embed="rId5">
-            <a:extLst>
-              <a:ext uri="{28A0092B-C50C-407E-A947-70E740481C1C}">
-                <a14:useLocalDpi xmlns:a14="http://schemas.microsoft.com/office/drawing/2010/main" val="0"/>
-              </a:ext>
-            </a:extLst>
-          </a:blip>
-          <a:stretch>
-            <a:fillRect/>
-          </a:stretch>
-        </p:blipFill>
-        <p:spPr>
-          <a:xfrm>
-            <a:off x="0" y="0"/>
-            <a:ext cx="12192000" cy="6858000"/>
-          </a:xfrm>
-          <a:prstGeom prst="rect">
-            <a:avLst/>
-          </a:prstGeom>
-        </p:spPr>
-      </p:pic>
-      <p:pic>
-        <p:nvPicPr>
-          <p:cNvPr id="7" name="Рисунок 6">
-            <a:extLst>
-              <a:ext uri="{FF2B5EF4-FFF2-40B4-BE49-F238E27FC236}">
-                <a16:creationId xmlns:a16="http://schemas.microsoft.com/office/drawing/2014/main" id="{100BB1B3-6C4C-4B93-8ECF-CCD722617998}"/>
-              </a:ext>
-            </a:extLst>
-          </p:cNvPr>
-          <p:cNvPicPr>
-            <a:picLocks noChangeAspect="1"/>
-          </p:cNvPicPr>
-          <p:nvPr/>
-        </p:nvPicPr>
-        <p:blipFill>
-          <a:blip r:embed="rId6">
+          <a:blip r:embed="rId3">
             <a:extLst>
               <a:ext uri="{28A0092B-C50C-407E-A947-70E740481C1C}">
                 <a14:useLocalDpi xmlns:a14="http://schemas.microsoft.com/office/drawing/2010/main" val="0"/>
@@ -4388,7 +4337,7 @@
     </p:spTree>
     <p:extLst>
       <p:ext uri="{BB962C8B-B14F-4D97-AF65-F5344CB8AC3E}">
-        <p14:creationId xmlns:p14="http://schemas.microsoft.com/office/powerpoint/2010/main" val="2684299420"/>
+        <p14:creationId xmlns:p14="http://schemas.microsoft.com/office/powerpoint/2010/main" val="2813768911"/>
       </p:ext>
     </p:extLst>
   </p:cSld>
@@ -4415,12 +4364,62 @@
           <a:chExt cx="0" cy="0"/>
         </a:xfrm>
       </p:grpSpPr>
+      <p:sp>
+        <p:nvSpPr>
+          <p:cNvPr id="2" name="Заголовок 1">
+            <a:extLst>
+              <a:ext uri="{FF2B5EF4-FFF2-40B4-BE49-F238E27FC236}">
+                <a16:creationId xmlns:a16="http://schemas.microsoft.com/office/drawing/2014/main" id="{35E82C6B-0C44-4222-8410-4CA37ED62D44}"/>
+              </a:ext>
+            </a:extLst>
+          </p:cNvPr>
+          <p:cNvSpPr>
+            <a:spLocks noGrp="1"/>
+          </p:cNvSpPr>
+          <p:nvPr>
+            <p:ph type="ctrTitle"/>
+          </p:nvPr>
+        </p:nvSpPr>
+        <p:spPr/>
+        <p:txBody>
+          <a:bodyPr/>
+          <a:lstStyle/>
+          <a:p>
+            <a:endParaRPr lang="ru-RU"/>
+          </a:p>
+        </p:txBody>
+      </p:sp>
+      <p:sp>
+        <p:nvSpPr>
+          <p:cNvPr id="3" name="Подзаголовок 2">
+            <a:extLst>
+              <a:ext uri="{FF2B5EF4-FFF2-40B4-BE49-F238E27FC236}">
+                <a16:creationId xmlns:a16="http://schemas.microsoft.com/office/drawing/2014/main" id="{EAB0147A-5B7F-41EE-B580-B281A05A3526}"/>
+              </a:ext>
+            </a:extLst>
+          </p:cNvPr>
+          <p:cNvSpPr>
+            <a:spLocks noGrp="1"/>
+          </p:cNvSpPr>
+          <p:nvPr>
+            <p:ph type="subTitle" idx="1"/>
+          </p:nvPr>
+        </p:nvSpPr>
+        <p:spPr/>
+        <p:txBody>
+          <a:bodyPr/>
+          <a:lstStyle/>
+          <a:p>
+            <a:endParaRPr lang="ru-RU"/>
+          </a:p>
+        </p:txBody>
+      </p:sp>
       <p:pic>
         <p:nvPicPr>
           <p:cNvPr id="5" name="Рисунок 4">
             <a:extLst>
               <a:ext uri="{FF2B5EF4-FFF2-40B4-BE49-F238E27FC236}">
-                <a16:creationId xmlns:a16="http://schemas.microsoft.com/office/drawing/2014/main" id="{9927BE43-938A-4BCD-B100-AFEEAFFD8B44}"/>
+                <a16:creationId xmlns:a16="http://schemas.microsoft.com/office/drawing/2014/main" id="{20F8819C-2729-4857-95CF-C62527880A4D}"/>
               </a:ext>
             </a:extLst>
           </p:cNvPr>
@@ -4431,78 +4430,6 @@
         </p:nvPicPr>
         <p:blipFill>
           <a:blip r:embed="rId2">
-            <a:extLst>
-              <a:ext uri="{28A0092B-C50C-407E-A947-70E740481C1C}">
-                <a14:useLocalDpi xmlns:a14="http://schemas.microsoft.com/office/drawing/2010/main" val="0"/>
-              </a:ext>
-            </a:extLst>
-          </a:blip>
-          <a:stretch>
-            <a:fillRect/>
-          </a:stretch>
-        </p:blipFill>
-        <p:spPr>
-          <a:xfrm>
-            <a:off x="0" y="0"/>
-            <a:ext cx="12192000" cy="6858000"/>
-          </a:xfrm>
-          <a:prstGeom prst="rect">
-            <a:avLst/>
-          </a:prstGeom>
-        </p:spPr>
-      </p:pic>
-      <p:pic>
-        <p:nvPicPr>
-          <p:cNvPr id="3" name="Рисунок 2">
-            <a:extLst>
-              <a:ext uri="{FF2B5EF4-FFF2-40B4-BE49-F238E27FC236}">
-                <a16:creationId xmlns:a16="http://schemas.microsoft.com/office/drawing/2014/main" id="{8165AF42-D93C-4DA4-8FC1-D3B96A3DB463}"/>
-              </a:ext>
-            </a:extLst>
-          </p:cNvPr>
-          <p:cNvPicPr>
-            <a:picLocks noChangeAspect="1"/>
-          </p:cNvPicPr>
-          <p:nvPr/>
-        </p:nvPicPr>
-        <p:blipFill>
-          <a:blip r:embed="rId3">
-            <a:extLst>
-              <a:ext uri="{28A0092B-C50C-407E-A947-70E740481C1C}">
-                <a14:useLocalDpi xmlns:a14="http://schemas.microsoft.com/office/drawing/2010/main" val="0"/>
-              </a:ext>
-            </a:extLst>
-          </a:blip>
-          <a:stretch>
-            <a:fillRect/>
-          </a:stretch>
-        </p:blipFill>
-        <p:spPr>
-          <a:xfrm>
-            <a:off x="0" y="0"/>
-            <a:ext cx="12192000" cy="6858000"/>
-          </a:xfrm>
-          <a:prstGeom prst="rect">
-            <a:avLst/>
-          </a:prstGeom>
-        </p:spPr>
-      </p:pic>
-      <p:pic>
-        <p:nvPicPr>
-          <p:cNvPr id="4" name="Рисунок 3">
-            <a:extLst>
-              <a:ext uri="{FF2B5EF4-FFF2-40B4-BE49-F238E27FC236}">
-                <a16:creationId xmlns:a16="http://schemas.microsoft.com/office/drawing/2014/main" id="{2B228922-750C-4704-A682-FCB5EB504F23}"/>
-              </a:ext>
-            </a:extLst>
-          </p:cNvPr>
-          <p:cNvPicPr>
-            <a:picLocks noChangeAspect="1"/>
-          </p:cNvPicPr>
-          <p:nvPr/>
-        </p:nvPicPr>
-        <p:blipFill>
-          <a:blip r:embed="rId4">
             <a:extLst>
               <a:ext uri="{28A0092B-C50C-407E-A947-70E740481C1C}">
                 <a14:useLocalDpi xmlns:a14="http://schemas.microsoft.com/office/drawing/2010/main" val="0"/>
@@ -4528,7 +4455,7 @@
           <p:cNvPr id="6" name="Рисунок 5">
             <a:extLst>
               <a:ext uri="{FF2B5EF4-FFF2-40B4-BE49-F238E27FC236}">
-                <a16:creationId xmlns:a16="http://schemas.microsoft.com/office/drawing/2014/main" id="{EB64743B-FFD8-4C04-B804-E10FBE9B872B}"/>
+                <a16:creationId xmlns:a16="http://schemas.microsoft.com/office/drawing/2014/main" id="{48B43FD5-FD2A-4A88-AC5A-EF70EC55EB0A}"/>
               </a:ext>
             </a:extLst>
           </p:cNvPr>
@@ -4538,43 +4465,7 @@
           <p:nvPr/>
         </p:nvPicPr>
         <p:blipFill>
-          <a:blip r:embed="rId5">
-            <a:extLst>
-              <a:ext uri="{28A0092B-C50C-407E-A947-70E740481C1C}">
-                <a14:useLocalDpi xmlns:a14="http://schemas.microsoft.com/office/drawing/2010/main" val="0"/>
-              </a:ext>
-            </a:extLst>
-          </a:blip>
-          <a:stretch>
-            <a:fillRect/>
-          </a:stretch>
-        </p:blipFill>
-        <p:spPr>
-          <a:xfrm>
-            <a:off x="0" y="0"/>
-            <a:ext cx="12192000" cy="6858000"/>
-          </a:xfrm>
-          <a:prstGeom prst="rect">
-            <a:avLst/>
-          </a:prstGeom>
-        </p:spPr>
-      </p:pic>
-      <p:pic>
-        <p:nvPicPr>
-          <p:cNvPr id="7" name="Рисунок 6">
-            <a:extLst>
-              <a:ext uri="{FF2B5EF4-FFF2-40B4-BE49-F238E27FC236}">
-                <a16:creationId xmlns:a16="http://schemas.microsoft.com/office/drawing/2014/main" id="{7F9423A7-7A80-4324-902B-BF8A89D6A6E1}"/>
-              </a:ext>
-            </a:extLst>
-          </p:cNvPr>
-          <p:cNvPicPr>
-            <a:picLocks noChangeAspect="1"/>
-          </p:cNvPicPr>
-          <p:nvPr/>
-        </p:nvPicPr>
-        <p:blipFill>
-          <a:blip r:embed="rId6">
+          <a:blip r:embed="rId3">
             <a:extLst>
               <a:ext uri="{28A0092B-C50C-407E-A947-70E740481C1C}">
                 <a14:useLocalDpi xmlns:a14="http://schemas.microsoft.com/office/drawing/2010/main" val="0"/>
@@ -4598,7 +4489,7 @@
     </p:spTree>
     <p:extLst>
       <p:ext uri="{BB962C8B-B14F-4D97-AF65-F5344CB8AC3E}">
-        <p14:creationId xmlns:p14="http://schemas.microsoft.com/office/powerpoint/2010/main" val="1187755873"/>
+        <p14:creationId xmlns:p14="http://schemas.microsoft.com/office/powerpoint/2010/main" val="1798287796"/>
       </p:ext>
     </p:extLst>
   </p:cSld>
@@ -4625,12 +4516,62 @@
           <a:chExt cx="0" cy="0"/>
         </a:xfrm>
       </p:grpSpPr>
+      <p:sp>
+        <p:nvSpPr>
+          <p:cNvPr id="2" name="Заголовок 1">
+            <a:extLst>
+              <a:ext uri="{FF2B5EF4-FFF2-40B4-BE49-F238E27FC236}">
+                <a16:creationId xmlns:a16="http://schemas.microsoft.com/office/drawing/2014/main" id="{35E82C6B-0C44-4222-8410-4CA37ED62D44}"/>
+              </a:ext>
+            </a:extLst>
+          </p:cNvPr>
+          <p:cNvSpPr>
+            <a:spLocks noGrp="1"/>
+          </p:cNvSpPr>
+          <p:nvPr>
+            <p:ph type="ctrTitle"/>
+          </p:nvPr>
+        </p:nvSpPr>
+        <p:spPr/>
+        <p:txBody>
+          <a:bodyPr/>
+          <a:lstStyle/>
+          <a:p>
+            <a:endParaRPr lang="ru-RU"/>
+          </a:p>
+        </p:txBody>
+      </p:sp>
+      <p:sp>
+        <p:nvSpPr>
+          <p:cNvPr id="3" name="Подзаголовок 2">
+            <a:extLst>
+              <a:ext uri="{FF2B5EF4-FFF2-40B4-BE49-F238E27FC236}">
+                <a16:creationId xmlns:a16="http://schemas.microsoft.com/office/drawing/2014/main" id="{EAB0147A-5B7F-41EE-B580-B281A05A3526}"/>
+              </a:ext>
+            </a:extLst>
+          </p:cNvPr>
+          <p:cNvSpPr>
+            <a:spLocks noGrp="1"/>
+          </p:cNvSpPr>
+          <p:nvPr>
+            <p:ph type="subTitle" idx="1"/>
+          </p:nvPr>
+        </p:nvSpPr>
+        <p:spPr/>
+        <p:txBody>
+          <a:bodyPr/>
+          <a:lstStyle/>
+          <a:p>
+            <a:endParaRPr lang="ru-RU"/>
+          </a:p>
+        </p:txBody>
+      </p:sp>
       <p:pic>
         <p:nvPicPr>
           <p:cNvPr id="5" name="Рисунок 4">
             <a:extLst>
               <a:ext uri="{FF2B5EF4-FFF2-40B4-BE49-F238E27FC236}">
-                <a16:creationId xmlns:a16="http://schemas.microsoft.com/office/drawing/2014/main" id="{9927BE43-938A-4BCD-B100-AFEEAFFD8B44}"/>
+                <a16:creationId xmlns:a16="http://schemas.microsoft.com/office/drawing/2014/main" id="{20F8819C-2729-4857-95CF-C62527880A4D}"/>
               </a:ext>
             </a:extLst>
           </p:cNvPr>
@@ -4663,10 +4604,10 @@
       </p:pic>
       <p:pic>
         <p:nvPicPr>
-          <p:cNvPr id="3" name="Рисунок 2">
-            <a:extLst>
-              <a:ext uri="{FF2B5EF4-FFF2-40B4-BE49-F238E27FC236}">
-                <a16:creationId xmlns:a16="http://schemas.microsoft.com/office/drawing/2014/main" id="{8165AF42-D93C-4DA4-8FC1-D3B96A3DB463}"/>
+          <p:cNvPr id="6" name="Рисунок 5">
+            <a:extLst>
+              <a:ext uri="{FF2B5EF4-FFF2-40B4-BE49-F238E27FC236}">
+                <a16:creationId xmlns:a16="http://schemas.microsoft.com/office/drawing/2014/main" id="{05C0673F-F074-4F43-8CD7-3A150509891E}"/>
               </a:ext>
             </a:extLst>
           </p:cNvPr>
@@ -4700,7 +4641,7 @@
     </p:spTree>
     <p:extLst>
       <p:ext uri="{BB962C8B-B14F-4D97-AF65-F5344CB8AC3E}">
-        <p14:creationId xmlns:p14="http://schemas.microsoft.com/office/powerpoint/2010/main" val="2623486392"/>
+        <p14:creationId xmlns:p14="http://schemas.microsoft.com/office/powerpoint/2010/main" val="3047942657"/>
       </p:ext>
     </p:extLst>
   </p:cSld>
@@ -4727,12 +4668,62 @@
           <a:chExt cx="0" cy="0"/>
         </a:xfrm>
       </p:grpSpPr>
+      <p:sp>
+        <p:nvSpPr>
+          <p:cNvPr id="2" name="Заголовок 1">
+            <a:extLst>
+              <a:ext uri="{FF2B5EF4-FFF2-40B4-BE49-F238E27FC236}">
+                <a16:creationId xmlns:a16="http://schemas.microsoft.com/office/drawing/2014/main" id="{35E82C6B-0C44-4222-8410-4CA37ED62D44}"/>
+              </a:ext>
+            </a:extLst>
+          </p:cNvPr>
+          <p:cNvSpPr>
+            <a:spLocks noGrp="1"/>
+          </p:cNvSpPr>
+          <p:nvPr>
+            <p:ph type="ctrTitle"/>
+          </p:nvPr>
+        </p:nvSpPr>
+        <p:spPr/>
+        <p:txBody>
+          <a:bodyPr/>
+          <a:lstStyle/>
+          <a:p>
+            <a:endParaRPr lang="ru-RU"/>
+          </a:p>
+        </p:txBody>
+      </p:sp>
+      <p:sp>
+        <p:nvSpPr>
+          <p:cNvPr id="3" name="Подзаголовок 2">
+            <a:extLst>
+              <a:ext uri="{FF2B5EF4-FFF2-40B4-BE49-F238E27FC236}">
+                <a16:creationId xmlns:a16="http://schemas.microsoft.com/office/drawing/2014/main" id="{EAB0147A-5B7F-41EE-B580-B281A05A3526}"/>
+              </a:ext>
+            </a:extLst>
+          </p:cNvPr>
+          <p:cNvSpPr>
+            <a:spLocks noGrp="1"/>
+          </p:cNvSpPr>
+          <p:nvPr>
+            <p:ph type="subTitle" idx="1"/>
+          </p:nvPr>
+        </p:nvSpPr>
+        <p:spPr/>
+        <p:txBody>
+          <a:bodyPr/>
+          <a:lstStyle/>
+          <a:p>
+            <a:endParaRPr lang="ru-RU"/>
+          </a:p>
+        </p:txBody>
+      </p:sp>
       <p:pic>
         <p:nvPicPr>
           <p:cNvPr id="5" name="Рисунок 4">
             <a:extLst>
               <a:ext uri="{FF2B5EF4-FFF2-40B4-BE49-F238E27FC236}">
-                <a16:creationId xmlns:a16="http://schemas.microsoft.com/office/drawing/2014/main" id="{9927BE43-938A-4BCD-B100-AFEEAFFD8B44}"/>
+                <a16:creationId xmlns:a16="http://schemas.microsoft.com/office/drawing/2014/main" id="{20F8819C-2729-4857-95CF-C62527880A4D}"/>
               </a:ext>
             </a:extLst>
           </p:cNvPr>
@@ -4765,10 +4756,10 @@
       </p:pic>
       <p:pic>
         <p:nvPicPr>
-          <p:cNvPr id="3" name="Рисунок 2">
-            <a:extLst>
-              <a:ext uri="{FF2B5EF4-FFF2-40B4-BE49-F238E27FC236}">
-                <a16:creationId xmlns:a16="http://schemas.microsoft.com/office/drawing/2014/main" id="{8165AF42-D93C-4DA4-8FC1-D3B96A3DB463}"/>
+          <p:cNvPr id="6" name="Рисунок 5">
+            <a:extLst>
+              <a:ext uri="{FF2B5EF4-FFF2-40B4-BE49-F238E27FC236}">
+                <a16:creationId xmlns:a16="http://schemas.microsoft.com/office/drawing/2014/main" id="{6E48133E-F280-4728-9DD2-E4FE491AF18D}"/>
               </a:ext>
             </a:extLst>
           </p:cNvPr>
@@ -4779,42 +4770,6 @@
         </p:nvPicPr>
         <p:blipFill>
           <a:blip r:embed="rId3">
-            <a:extLst>
-              <a:ext uri="{28A0092B-C50C-407E-A947-70E740481C1C}">
-                <a14:useLocalDpi xmlns:a14="http://schemas.microsoft.com/office/drawing/2010/main" val="0"/>
-              </a:ext>
-            </a:extLst>
-          </a:blip>
-          <a:stretch>
-            <a:fillRect/>
-          </a:stretch>
-        </p:blipFill>
-        <p:spPr>
-          <a:xfrm>
-            <a:off x="0" y="0"/>
-            <a:ext cx="12192000" cy="6858000"/>
-          </a:xfrm>
-          <a:prstGeom prst="rect">
-            <a:avLst/>
-          </a:prstGeom>
-        </p:spPr>
-      </p:pic>
-      <p:pic>
-        <p:nvPicPr>
-          <p:cNvPr id="4" name="Рисунок 3">
-            <a:extLst>
-              <a:ext uri="{FF2B5EF4-FFF2-40B4-BE49-F238E27FC236}">
-                <a16:creationId xmlns:a16="http://schemas.microsoft.com/office/drawing/2014/main" id="{D121416A-2E6E-4641-B616-7DDF64FC5EF8}"/>
-              </a:ext>
-            </a:extLst>
-          </p:cNvPr>
-          <p:cNvPicPr>
-            <a:picLocks noChangeAspect="1"/>
-          </p:cNvPicPr>
-          <p:nvPr/>
-        </p:nvPicPr>
-        <p:blipFill>
-          <a:blip r:embed="rId4">
             <a:extLst>
               <a:ext uri="{28A0092B-C50C-407E-A947-70E740481C1C}">
                 <a14:useLocalDpi xmlns:a14="http://schemas.microsoft.com/office/drawing/2010/main" val="0"/>
@@ -4838,7 +4793,7 @@
     </p:spTree>
     <p:extLst>
       <p:ext uri="{BB962C8B-B14F-4D97-AF65-F5344CB8AC3E}">
-        <p14:creationId xmlns:p14="http://schemas.microsoft.com/office/powerpoint/2010/main" val="1051298269"/>
+        <p14:creationId xmlns:p14="http://schemas.microsoft.com/office/powerpoint/2010/main" val="2225541855"/>
       </p:ext>
     </p:extLst>
   </p:cSld>
@@ -4865,12 +4820,62 @@
           <a:chExt cx="0" cy="0"/>
         </a:xfrm>
       </p:grpSpPr>
+      <p:sp>
+        <p:nvSpPr>
+          <p:cNvPr id="2" name="Заголовок 1">
+            <a:extLst>
+              <a:ext uri="{FF2B5EF4-FFF2-40B4-BE49-F238E27FC236}">
+                <a16:creationId xmlns:a16="http://schemas.microsoft.com/office/drawing/2014/main" id="{35E82C6B-0C44-4222-8410-4CA37ED62D44}"/>
+              </a:ext>
+            </a:extLst>
+          </p:cNvPr>
+          <p:cNvSpPr>
+            <a:spLocks noGrp="1"/>
+          </p:cNvSpPr>
+          <p:nvPr>
+            <p:ph type="ctrTitle"/>
+          </p:nvPr>
+        </p:nvSpPr>
+        <p:spPr/>
+        <p:txBody>
+          <a:bodyPr/>
+          <a:lstStyle/>
+          <a:p>
+            <a:endParaRPr lang="ru-RU"/>
+          </a:p>
+        </p:txBody>
+      </p:sp>
+      <p:sp>
+        <p:nvSpPr>
+          <p:cNvPr id="3" name="Подзаголовок 2">
+            <a:extLst>
+              <a:ext uri="{FF2B5EF4-FFF2-40B4-BE49-F238E27FC236}">
+                <a16:creationId xmlns:a16="http://schemas.microsoft.com/office/drawing/2014/main" id="{EAB0147A-5B7F-41EE-B580-B281A05A3526}"/>
+              </a:ext>
+            </a:extLst>
+          </p:cNvPr>
+          <p:cNvSpPr>
+            <a:spLocks noGrp="1"/>
+          </p:cNvSpPr>
+          <p:nvPr>
+            <p:ph type="subTitle" idx="1"/>
+          </p:nvPr>
+        </p:nvSpPr>
+        <p:spPr/>
+        <p:txBody>
+          <a:bodyPr/>
+          <a:lstStyle/>
+          <a:p>
+            <a:endParaRPr lang="ru-RU"/>
+          </a:p>
+        </p:txBody>
+      </p:sp>
       <p:pic>
         <p:nvPicPr>
           <p:cNvPr id="5" name="Рисунок 4">
             <a:extLst>
               <a:ext uri="{FF2B5EF4-FFF2-40B4-BE49-F238E27FC236}">
-                <a16:creationId xmlns:a16="http://schemas.microsoft.com/office/drawing/2014/main" id="{9927BE43-938A-4BCD-B100-AFEEAFFD8B44}"/>
+                <a16:creationId xmlns:a16="http://schemas.microsoft.com/office/drawing/2014/main" id="{20F8819C-2729-4857-95CF-C62527880A4D}"/>
               </a:ext>
             </a:extLst>
           </p:cNvPr>
@@ -4903,10 +4908,10 @@
       </p:pic>
       <p:pic>
         <p:nvPicPr>
-          <p:cNvPr id="3" name="Рисунок 2">
-            <a:extLst>
-              <a:ext uri="{FF2B5EF4-FFF2-40B4-BE49-F238E27FC236}">
-                <a16:creationId xmlns:a16="http://schemas.microsoft.com/office/drawing/2014/main" id="{8165AF42-D93C-4DA4-8FC1-D3B96A3DB463}"/>
+          <p:cNvPr id="6" name="Рисунок 5">
+            <a:extLst>
+              <a:ext uri="{FF2B5EF4-FFF2-40B4-BE49-F238E27FC236}">
+                <a16:creationId xmlns:a16="http://schemas.microsoft.com/office/drawing/2014/main" id="{1FD53228-25F7-4264-83F0-EFDA0F154783}"/>
               </a:ext>
             </a:extLst>
           </p:cNvPr>
@@ -4917,42 +4922,6 @@
         </p:nvPicPr>
         <p:blipFill>
           <a:blip r:embed="rId3">
-            <a:extLst>
-              <a:ext uri="{28A0092B-C50C-407E-A947-70E740481C1C}">
-                <a14:useLocalDpi xmlns:a14="http://schemas.microsoft.com/office/drawing/2010/main" val="0"/>
-              </a:ext>
-            </a:extLst>
-          </a:blip>
-          <a:stretch>
-            <a:fillRect/>
-          </a:stretch>
-        </p:blipFill>
-        <p:spPr>
-          <a:xfrm>
-            <a:off x="0" y="0"/>
-            <a:ext cx="12192000" cy="6858000"/>
-          </a:xfrm>
-          <a:prstGeom prst="rect">
-            <a:avLst/>
-          </a:prstGeom>
-        </p:spPr>
-      </p:pic>
-      <p:pic>
-        <p:nvPicPr>
-          <p:cNvPr id="4" name="Рисунок 3">
-            <a:extLst>
-              <a:ext uri="{FF2B5EF4-FFF2-40B4-BE49-F238E27FC236}">
-                <a16:creationId xmlns:a16="http://schemas.microsoft.com/office/drawing/2014/main" id="{83FF4D64-A30F-446D-9552-E263AFBFC2EE}"/>
-              </a:ext>
-            </a:extLst>
-          </p:cNvPr>
-          <p:cNvPicPr>
-            <a:picLocks noChangeAspect="1"/>
-          </p:cNvPicPr>
-          <p:nvPr/>
-        </p:nvPicPr>
-        <p:blipFill>
-          <a:blip r:embed="rId4">
             <a:extLst>
               <a:ext uri="{28A0092B-C50C-407E-A947-70E740481C1C}">
                 <a14:useLocalDpi xmlns:a14="http://schemas.microsoft.com/office/drawing/2010/main" val="0"/>
@@ -4976,7 +4945,7 @@
     </p:spTree>
     <p:extLst>
       <p:ext uri="{BB962C8B-B14F-4D97-AF65-F5344CB8AC3E}">
-        <p14:creationId xmlns:p14="http://schemas.microsoft.com/office/powerpoint/2010/main" val="382493704"/>
+        <p14:creationId xmlns:p14="http://schemas.microsoft.com/office/powerpoint/2010/main" val="22510645"/>
       </p:ext>
     </p:extLst>
   </p:cSld>
@@ -5003,12 +4972,62 @@
           <a:chExt cx="0" cy="0"/>
         </a:xfrm>
       </p:grpSpPr>
+      <p:sp>
+        <p:nvSpPr>
+          <p:cNvPr id="2" name="Заголовок 1">
+            <a:extLst>
+              <a:ext uri="{FF2B5EF4-FFF2-40B4-BE49-F238E27FC236}">
+                <a16:creationId xmlns:a16="http://schemas.microsoft.com/office/drawing/2014/main" id="{35E82C6B-0C44-4222-8410-4CA37ED62D44}"/>
+              </a:ext>
+            </a:extLst>
+          </p:cNvPr>
+          <p:cNvSpPr>
+            <a:spLocks noGrp="1"/>
+          </p:cNvSpPr>
+          <p:nvPr>
+            <p:ph type="ctrTitle"/>
+          </p:nvPr>
+        </p:nvSpPr>
+        <p:spPr/>
+        <p:txBody>
+          <a:bodyPr/>
+          <a:lstStyle/>
+          <a:p>
+            <a:endParaRPr lang="ru-RU"/>
+          </a:p>
+        </p:txBody>
+      </p:sp>
+      <p:sp>
+        <p:nvSpPr>
+          <p:cNvPr id="3" name="Подзаголовок 2">
+            <a:extLst>
+              <a:ext uri="{FF2B5EF4-FFF2-40B4-BE49-F238E27FC236}">
+                <a16:creationId xmlns:a16="http://schemas.microsoft.com/office/drawing/2014/main" id="{EAB0147A-5B7F-41EE-B580-B281A05A3526}"/>
+              </a:ext>
+            </a:extLst>
+          </p:cNvPr>
+          <p:cNvSpPr>
+            <a:spLocks noGrp="1"/>
+          </p:cNvSpPr>
+          <p:nvPr>
+            <p:ph type="subTitle" idx="1"/>
+          </p:nvPr>
+        </p:nvSpPr>
+        <p:spPr/>
+        <p:txBody>
+          <a:bodyPr/>
+          <a:lstStyle/>
+          <a:p>
+            <a:endParaRPr lang="ru-RU"/>
+          </a:p>
+        </p:txBody>
+      </p:sp>
       <p:pic>
         <p:nvPicPr>
           <p:cNvPr id="5" name="Рисунок 4">
             <a:extLst>
               <a:ext uri="{FF2B5EF4-FFF2-40B4-BE49-F238E27FC236}">
-                <a16:creationId xmlns:a16="http://schemas.microsoft.com/office/drawing/2014/main" id="{9927BE43-938A-4BCD-B100-AFEEAFFD8B44}"/>
+                <a16:creationId xmlns:a16="http://schemas.microsoft.com/office/drawing/2014/main" id="{20F8819C-2729-4857-95CF-C62527880A4D}"/>
               </a:ext>
             </a:extLst>
           </p:cNvPr>
@@ -5041,10 +5060,10 @@
       </p:pic>
       <p:pic>
         <p:nvPicPr>
-          <p:cNvPr id="3" name="Рисунок 2">
-            <a:extLst>
-              <a:ext uri="{FF2B5EF4-FFF2-40B4-BE49-F238E27FC236}">
-                <a16:creationId xmlns:a16="http://schemas.microsoft.com/office/drawing/2014/main" id="{8165AF42-D93C-4DA4-8FC1-D3B96A3DB463}"/>
+          <p:cNvPr id="6" name="Рисунок 5">
+            <a:extLst>
+              <a:ext uri="{FF2B5EF4-FFF2-40B4-BE49-F238E27FC236}">
+                <a16:creationId xmlns:a16="http://schemas.microsoft.com/office/drawing/2014/main" id="{93F8E055-EBDA-4479-ADAD-1D99B6409D19}"/>
               </a:ext>
             </a:extLst>
           </p:cNvPr>
@@ -5055,42 +5074,6 @@
         </p:nvPicPr>
         <p:blipFill>
           <a:blip r:embed="rId3">
-            <a:extLst>
-              <a:ext uri="{28A0092B-C50C-407E-A947-70E740481C1C}">
-                <a14:useLocalDpi xmlns:a14="http://schemas.microsoft.com/office/drawing/2010/main" val="0"/>
-              </a:ext>
-            </a:extLst>
-          </a:blip>
-          <a:stretch>
-            <a:fillRect/>
-          </a:stretch>
-        </p:blipFill>
-        <p:spPr>
-          <a:xfrm>
-            <a:off x="0" y="0"/>
-            <a:ext cx="12192000" cy="6858000"/>
-          </a:xfrm>
-          <a:prstGeom prst="rect">
-            <a:avLst/>
-          </a:prstGeom>
-        </p:spPr>
-      </p:pic>
-      <p:pic>
-        <p:nvPicPr>
-          <p:cNvPr id="4" name="Рисунок 3">
-            <a:extLst>
-              <a:ext uri="{FF2B5EF4-FFF2-40B4-BE49-F238E27FC236}">
-                <a16:creationId xmlns:a16="http://schemas.microsoft.com/office/drawing/2014/main" id="{5B159F98-577C-42EA-8476-CD80F4553611}"/>
-              </a:ext>
-            </a:extLst>
-          </p:cNvPr>
-          <p:cNvPicPr>
-            <a:picLocks noChangeAspect="1"/>
-          </p:cNvPicPr>
-          <p:nvPr/>
-        </p:nvPicPr>
-        <p:blipFill>
-          <a:blip r:embed="rId4">
             <a:extLst>
               <a:ext uri="{28A0092B-C50C-407E-A947-70E740481C1C}">
                 <a14:useLocalDpi xmlns:a14="http://schemas.microsoft.com/office/drawing/2010/main" val="0"/>
@@ -5114,7 +5097,7 @@
     </p:spTree>
     <p:extLst>
       <p:ext uri="{BB962C8B-B14F-4D97-AF65-F5344CB8AC3E}">
-        <p14:creationId xmlns:p14="http://schemas.microsoft.com/office/powerpoint/2010/main" val="3972173304"/>
+        <p14:creationId xmlns:p14="http://schemas.microsoft.com/office/powerpoint/2010/main" val="4203688856"/>
       </p:ext>
     </p:extLst>
   </p:cSld>
@@ -5141,12 +5124,62 @@
           <a:chExt cx="0" cy="0"/>
         </a:xfrm>
       </p:grpSpPr>
+      <p:sp>
+        <p:nvSpPr>
+          <p:cNvPr id="2" name="Заголовок 1">
+            <a:extLst>
+              <a:ext uri="{FF2B5EF4-FFF2-40B4-BE49-F238E27FC236}">
+                <a16:creationId xmlns:a16="http://schemas.microsoft.com/office/drawing/2014/main" id="{35E82C6B-0C44-4222-8410-4CA37ED62D44}"/>
+              </a:ext>
+            </a:extLst>
+          </p:cNvPr>
+          <p:cNvSpPr>
+            <a:spLocks noGrp="1"/>
+          </p:cNvSpPr>
+          <p:nvPr>
+            <p:ph type="ctrTitle"/>
+          </p:nvPr>
+        </p:nvSpPr>
+        <p:spPr/>
+        <p:txBody>
+          <a:bodyPr/>
+          <a:lstStyle/>
+          <a:p>
+            <a:endParaRPr lang="ru-RU"/>
+          </a:p>
+        </p:txBody>
+      </p:sp>
+      <p:sp>
+        <p:nvSpPr>
+          <p:cNvPr id="3" name="Подзаголовок 2">
+            <a:extLst>
+              <a:ext uri="{FF2B5EF4-FFF2-40B4-BE49-F238E27FC236}">
+                <a16:creationId xmlns:a16="http://schemas.microsoft.com/office/drawing/2014/main" id="{EAB0147A-5B7F-41EE-B580-B281A05A3526}"/>
+              </a:ext>
+            </a:extLst>
+          </p:cNvPr>
+          <p:cNvSpPr>
+            <a:spLocks noGrp="1"/>
+          </p:cNvSpPr>
+          <p:nvPr>
+            <p:ph type="subTitle" idx="1"/>
+          </p:nvPr>
+        </p:nvSpPr>
+        <p:spPr/>
+        <p:txBody>
+          <a:bodyPr/>
+          <a:lstStyle/>
+          <a:p>
+            <a:endParaRPr lang="ru-RU"/>
+          </a:p>
+        </p:txBody>
+      </p:sp>
       <p:pic>
         <p:nvPicPr>
           <p:cNvPr id="5" name="Рисунок 4">
             <a:extLst>
               <a:ext uri="{FF2B5EF4-FFF2-40B4-BE49-F238E27FC236}">
-                <a16:creationId xmlns:a16="http://schemas.microsoft.com/office/drawing/2014/main" id="{9927BE43-938A-4BCD-B100-AFEEAFFD8B44}"/>
+                <a16:creationId xmlns:a16="http://schemas.microsoft.com/office/drawing/2014/main" id="{20F8819C-2729-4857-95CF-C62527880A4D}"/>
               </a:ext>
             </a:extLst>
           </p:cNvPr>
@@ -5179,10 +5212,10 @@
       </p:pic>
       <p:pic>
         <p:nvPicPr>
-          <p:cNvPr id="3" name="Рисунок 2">
-            <a:extLst>
-              <a:ext uri="{FF2B5EF4-FFF2-40B4-BE49-F238E27FC236}">
-                <a16:creationId xmlns:a16="http://schemas.microsoft.com/office/drawing/2014/main" id="{8165AF42-D93C-4DA4-8FC1-D3B96A3DB463}"/>
+          <p:cNvPr id="6" name="Рисунок 5">
+            <a:extLst>
+              <a:ext uri="{FF2B5EF4-FFF2-40B4-BE49-F238E27FC236}">
+                <a16:creationId xmlns:a16="http://schemas.microsoft.com/office/drawing/2014/main" id="{ED8AEDAD-CF03-4A71-9DB7-7461C81DF389}"/>
               </a:ext>
             </a:extLst>
           </p:cNvPr>
@@ -5193,42 +5226,6 @@
         </p:nvPicPr>
         <p:blipFill>
           <a:blip r:embed="rId3">
-            <a:extLst>
-              <a:ext uri="{28A0092B-C50C-407E-A947-70E740481C1C}">
-                <a14:useLocalDpi xmlns:a14="http://schemas.microsoft.com/office/drawing/2010/main" val="0"/>
-              </a:ext>
-            </a:extLst>
-          </a:blip>
-          <a:stretch>
-            <a:fillRect/>
-          </a:stretch>
-        </p:blipFill>
-        <p:spPr>
-          <a:xfrm>
-            <a:off x="0" y="0"/>
-            <a:ext cx="12192000" cy="6858000"/>
-          </a:xfrm>
-          <a:prstGeom prst="rect">
-            <a:avLst/>
-          </a:prstGeom>
-        </p:spPr>
-      </p:pic>
-      <p:pic>
-        <p:nvPicPr>
-          <p:cNvPr id="4" name="Рисунок 3">
-            <a:extLst>
-              <a:ext uri="{FF2B5EF4-FFF2-40B4-BE49-F238E27FC236}">
-                <a16:creationId xmlns:a16="http://schemas.microsoft.com/office/drawing/2014/main" id="{EF403864-9EF1-4008-B787-D121D1DF6AFC}"/>
-              </a:ext>
-            </a:extLst>
-          </p:cNvPr>
-          <p:cNvPicPr>
-            <a:picLocks noChangeAspect="1"/>
-          </p:cNvPicPr>
-          <p:nvPr/>
-        </p:nvPicPr>
-        <p:blipFill>
-          <a:blip r:embed="rId4">
             <a:extLst>
               <a:ext uri="{28A0092B-C50C-407E-A947-70E740481C1C}">
                 <a14:useLocalDpi xmlns:a14="http://schemas.microsoft.com/office/drawing/2010/main" val="0"/>
@@ -5252,7 +5249,7 @@
     </p:spTree>
     <p:extLst>
       <p:ext uri="{BB962C8B-B14F-4D97-AF65-F5344CB8AC3E}">
-        <p14:creationId xmlns:p14="http://schemas.microsoft.com/office/powerpoint/2010/main" val="1532205081"/>
+        <p14:creationId xmlns:p14="http://schemas.microsoft.com/office/powerpoint/2010/main" val="3009194971"/>
       </p:ext>
     </p:extLst>
   </p:cSld>
@@ -5279,12 +5276,62 @@
           <a:chExt cx="0" cy="0"/>
         </a:xfrm>
       </p:grpSpPr>
+      <p:sp>
+        <p:nvSpPr>
+          <p:cNvPr id="2" name="Заголовок 1">
+            <a:extLst>
+              <a:ext uri="{FF2B5EF4-FFF2-40B4-BE49-F238E27FC236}">
+                <a16:creationId xmlns:a16="http://schemas.microsoft.com/office/drawing/2014/main" id="{35E82C6B-0C44-4222-8410-4CA37ED62D44}"/>
+              </a:ext>
+            </a:extLst>
+          </p:cNvPr>
+          <p:cNvSpPr>
+            <a:spLocks noGrp="1"/>
+          </p:cNvSpPr>
+          <p:nvPr>
+            <p:ph type="ctrTitle"/>
+          </p:nvPr>
+        </p:nvSpPr>
+        <p:spPr/>
+        <p:txBody>
+          <a:bodyPr/>
+          <a:lstStyle/>
+          <a:p>
+            <a:endParaRPr lang="ru-RU"/>
+          </a:p>
+        </p:txBody>
+      </p:sp>
+      <p:sp>
+        <p:nvSpPr>
+          <p:cNvPr id="3" name="Подзаголовок 2">
+            <a:extLst>
+              <a:ext uri="{FF2B5EF4-FFF2-40B4-BE49-F238E27FC236}">
+                <a16:creationId xmlns:a16="http://schemas.microsoft.com/office/drawing/2014/main" id="{EAB0147A-5B7F-41EE-B580-B281A05A3526}"/>
+              </a:ext>
+            </a:extLst>
+          </p:cNvPr>
+          <p:cNvSpPr>
+            <a:spLocks noGrp="1"/>
+          </p:cNvSpPr>
+          <p:nvPr>
+            <p:ph type="subTitle" idx="1"/>
+          </p:nvPr>
+        </p:nvSpPr>
+        <p:spPr/>
+        <p:txBody>
+          <a:bodyPr/>
+          <a:lstStyle/>
+          <a:p>
+            <a:endParaRPr lang="ru-RU"/>
+          </a:p>
+        </p:txBody>
+      </p:sp>
       <p:pic>
         <p:nvPicPr>
           <p:cNvPr id="5" name="Рисунок 4">
             <a:extLst>
               <a:ext uri="{FF2B5EF4-FFF2-40B4-BE49-F238E27FC236}">
-                <a16:creationId xmlns:a16="http://schemas.microsoft.com/office/drawing/2014/main" id="{9927BE43-938A-4BCD-B100-AFEEAFFD8B44}"/>
+                <a16:creationId xmlns:a16="http://schemas.microsoft.com/office/drawing/2014/main" id="{20F8819C-2729-4857-95CF-C62527880A4D}"/>
               </a:ext>
             </a:extLst>
           </p:cNvPr>
@@ -5317,10 +5364,10 @@
       </p:pic>
       <p:pic>
         <p:nvPicPr>
-          <p:cNvPr id="3" name="Рисунок 2">
-            <a:extLst>
-              <a:ext uri="{FF2B5EF4-FFF2-40B4-BE49-F238E27FC236}">
-                <a16:creationId xmlns:a16="http://schemas.microsoft.com/office/drawing/2014/main" id="{8165AF42-D93C-4DA4-8FC1-D3B96A3DB463}"/>
+          <p:cNvPr id="6" name="Рисунок 5">
+            <a:extLst>
+              <a:ext uri="{FF2B5EF4-FFF2-40B4-BE49-F238E27FC236}">
+                <a16:creationId xmlns:a16="http://schemas.microsoft.com/office/drawing/2014/main" id="{D3532C56-C3CD-4E45-9760-3A283A825E7C}"/>
               </a:ext>
             </a:extLst>
           </p:cNvPr>
@@ -5331,42 +5378,6 @@
         </p:nvPicPr>
         <p:blipFill>
           <a:blip r:embed="rId3">
-            <a:extLst>
-              <a:ext uri="{28A0092B-C50C-407E-A947-70E740481C1C}">
-                <a14:useLocalDpi xmlns:a14="http://schemas.microsoft.com/office/drawing/2010/main" val="0"/>
-              </a:ext>
-            </a:extLst>
-          </a:blip>
-          <a:stretch>
-            <a:fillRect/>
-          </a:stretch>
-        </p:blipFill>
-        <p:spPr>
-          <a:xfrm>
-            <a:off x="0" y="0"/>
-            <a:ext cx="12192000" cy="6858000"/>
-          </a:xfrm>
-          <a:prstGeom prst="rect">
-            <a:avLst/>
-          </a:prstGeom>
-        </p:spPr>
-      </p:pic>
-      <p:pic>
-        <p:nvPicPr>
-          <p:cNvPr id="4" name="Рисунок 3">
-            <a:extLst>
-              <a:ext uri="{FF2B5EF4-FFF2-40B4-BE49-F238E27FC236}">
-                <a16:creationId xmlns:a16="http://schemas.microsoft.com/office/drawing/2014/main" id="{5424075A-9287-4339-8B78-564439035B80}"/>
-              </a:ext>
-            </a:extLst>
-          </p:cNvPr>
-          <p:cNvPicPr>
-            <a:picLocks noChangeAspect="1"/>
-          </p:cNvPicPr>
-          <p:nvPr/>
-        </p:nvPicPr>
-        <p:blipFill>
-          <a:blip r:embed="rId4">
             <a:extLst>
               <a:ext uri="{28A0092B-C50C-407E-A947-70E740481C1C}">
                 <a14:useLocalDpi xmlns:a14="http://schemas.microsoft.com/office/drawing/2010/main" val="0"/>
@@ -5390,7 +5401,7 @@
     </p:spTree>
     <p:extLst>
       <p:ext uri="{BB962C8B-B14F-4D97-AF65-F5344CB8AC3E}">
-        <p14:creationId xmlns:p14="http://schemas.microsoft.com/office/powerpoint/2010/main" val="3915918794"/>
+        <p14:creationId xmlns:p14="http://schemas.microsoft.com/office/powerpoint/2010/main" val="3544316114"/>
       </p:ext>
     </p:extLst>
   </p:cSld>
@@ -5417,12 +5428,62 @@
           <a:chExt cx="0" cy="0"/>
         </a:xfrm>
       </p:grpSpPr>
+      <p:sp>
+        <p:nvSpPr>
+          <p:cNvPr id="2" name="Заголовок 1">
+            <a:extLst>
+              <a:ext uri="{FF2B5EF4-FFF2-40B4-BE49-F238E27FC236}">
+                <a16:creationId xmlns:a16="http://schemas.microsoft.com/office/drawing/2014/main" id="{35E82C6B-0C44-4222-8410-4CA37ED62D44}"/>
+              </a:ext>
+            </a:extLst>
+          </p:cNvPr>
+          <p:cNvSpPr>
+            <a:spLocks noGrp="1"/>
+          </p:cNvSpPr>
+          <p:nvPr>
+            <p:ph type="ctrTitle"/>
+          </p:nvPr>
+        </p:nvSpPr>
+        <p:spPr/>
+        <p:txBody>
+          <a:bodyPr/>
+          <a:lstStyle/>
+          <a:p>
+            <a:endParaRPr lang="ru-RU"/>
+          </a:p>
+        </p:txBody>
+      </p:sp>
+      <p:sp>
+        <p:nvSpPr>
+          <p:cNvPr id="3" name="Подзаголовок 2">
+            <a:extLst>
+              <a:ext uri="{FF2B5EF4-FFF2-40B4-BE49-F238E27FC236}">
+                <a16:creationId xmlns:a16="http://schemas.microsoft.com/office/drawing/2014/main" id="{EAB0147A-5B7F-41EE-B580-B281A05A3526}"/>
+              </a:ext>
+            </a:extLst>
+          </p:cNvPr>
+          <p:cNvSpPr>
+            <a:spLocks noGrp="1"/>
+          </p:cNvSpPr>
+          <p:nvPr>
+            <p:ph type="subTitle" idx="1"/>
+          </p:nvPr>
+        </p:nvSpPr>
+        <p:spPr/>
+        <p:txBody>
+          <a:bodyPr/>
+          <a:lstStyle/>
+          <a:p>
+            <a:endParaRPr lang="ru-RU"/>
+          </a:p>
+        </p:txBody>
+      </p:sp>
       <p:pic>
         <p:nvPicPr>
           <p:cNvPr id="5" name="Рисунок 4">
             <a:extLst>
               <a:ext uri="{FF2B5EF4-FFF2-40B4-BE49-F238E27FC236}">
-                <a16:creationId xmlns:a16="http://schemas.microsoft.com/office/drawing/2014/main" id="{9927BE43-938A-4BCD-B100-AFEEAFFD8B44}"/>
+                <a16:creationId xmlns:a16="http://schemas.microsoft.com/office/drawing/2014/main" id="{20F8819C-2729-4857-95CF-C62527880A4D}"/>
               </a:ext>
             </a:extLst>
           </p:cNvPr>
@@ -5455,10 +5516,10 @@
       </p:pic>
       <p:pic>
         <p:nvPicPr>
-          <p:cNvPr id="3" name="Рисунок 2">
-            <a:extLst>
-              <a:ext uri="{FF2B5EF4-FFF2-40B4-BE49-F238E27FC236}">
-                <a16:creationId xmlns:a16="http://schemas.microsoft.com/office/drawing/2014/main" id="{8165AF42-D93C-4DA4-8FC1-D3B96A3DB463}"/>
+          <p:cNvPr id="6" name="Рисунок 5">
+            <a:extLst>
+              <a:ext uri="{FF2B5EF4-FFF2-40B4-BE49-F238E27FC236}">
+                <a16:creationId xmlns:a16="http://schemas.microsoft.com/office/drawing/2014/main" id="{EFCBB799-35E3-4314-9385-6CAEFC203D0D}"/>
               </a:ext>
             </a:extLst>
           </p:cNvPr>
@@ -5469,42 +5530,6 @@
         </p:nvPicPr>
         <p:blipFill>
           <a:blip r:embed="rId3">
-            <a:extLst>
-              <a:ext uri="{28A0092B-C50C-407E-A947-70E740481C1C}">
-                <a14:useLocalDpi xmlns:a14="http://schemas.microsoft.com/office/drawing/2010/main" val="0"/>
-              </a:ext>
-            </a:extLst>
-          </a:blip>
-          <a:stretch>
-            <a:fillRect/>
-          </a:stretch>
-        </p:blipFill>
-        <p:spPr>
-          <a:xfrm>
-            <a:off x="0" y="0"/>
-            <a:ext cx="12192000" cy="6858000"/>
-          </a:xfrm>
-          <a:prstGeom prst="rect">
-            <a:avLst/>
-          </a:prstGeom>
-        </p:spPr>
-      </p:pic>
-      <p:pic>
-        <p:nvPicPr>
-          <p:cNvPr id="4" name="Рисунок 3">
-            <a:extLst>
-              <a:ext uri="{FF2B5EF4-FFF2-40B4-BE49-F238E27FC236}">
-                <a16:creationId xmlns:a16="http://schemas.microsoft.com/office/drawing/2014/main" id="{4F15BC0E-FCFB-432B-B07A-1D2627EA7835}"/>
-              </a:ext>
-            </a:extLst>
-          </p:cNvPr>
-          <p:cNvPicPr>
-            <a:picLocks noChangeAspect="1"/>
-          </p:cNvPicPr>
-          <p:nvPr/>
-        </p:nvPicPr>
-        <p:blipFill>
-          <a:blip r:embed="rId4">
             <a:extLst>
               <a:ext uri="{28A0092B-C50C-407E-A947-70E740481C1C}">
                 <a14:useLocalDpi xmlns:a14="http://schemas.microsoft.com/office/drawing/2010/main" val="0"/>
@@ -5528,7 +5553,7 @@
     </p:spTree>
     <p:extLst>
       <p:ext uri="{BB962C8B-B14F-4D97-AF65-F5344CB8AC3E}">
-        <p14:creationId xmlns:p14="http://schemas.microsoft.com/office/powerpoint/2010/main" val="1768517701"/>
+        <p14:creationId xmlns:p14="http://schemas.microsoft.com/office/powerpoint/2010/main" val="3799670869"/>
       </p:ext>
     </p:extLst>
   </p:cSld>
@@ -5555,12 +5580,62 @@
           <a:chExt cx="0" cy="0"/>
         </a:xfrm>
       </p:grpSpPr>
+      <p:sp>
+        <p:nvSpPr>
+          <p:cNvPr id="2" name="Заголовок 1">
+            <a:extLst>
+              <a:ext uri="{FF2B5EF4-FFF2-40B4-BE49-F238E27FC236}">
+                <a16:creationId xmlns:a16="http://schemas.microsoft.com/office/drawing/2014/main" id="{35E82C6B-0C44-4222-8410-4CA37ED62D44}"/>
+              </a:ext>
+            </a:extLst>
+          </p:cNvPr>
+          <p:cNvSpPr>
+            <a:spLocks noGrp="1"/>
+          </p:cNvSpPr>
+          <p:nvPr>
+            <p:ph type="ctrTitle"/>
+          </p:nvPr>
+        </p:nvSpPr>
+        <p:spPr/>
+        <p:txBody>
+          <a:bodyPr/>
+          <a:lstStyle/>
+          <a:p>
+            <a:endParaRPr lang="ru-RU"/>
+          </a:p>
+        </p:txBody>
+      </p:sp>
+      <p:sp>
+        <p:nvSpPr>
+          <p:cNvPr id="3" name="Подзаголовок 2">
+            <a:extLst>
+              <a:ext uri="{FF2B5EF4-FFF2-40B4-BE49-F238E27FC236}">
+                <a16:creationId xmlns:a16="http://schemas.microsoft.com/office/drawing/2014/main" id="{EAB0147A-5B7F-41EE-B580-B281A05A3526}"/>
+              </a:ext>
+            </a:extLst>
+          </p:cNvPr>
+          <p:cNvSpPr>
+            <a:spLocks noGrp="1"/>
+          </p:cNvSpPr>
+          <p:nvPr>
+            <p:ph type="subTitle" idx="1"/>
+          </p:nvPr>
+        </p:nvSpPr>
+        <p:spPr/>
+        <p:txBody>
+          <a:bodyPr/>
+          <a:lstStyle/>
+          <a:p>
+            <a:endParaRPr lang="ru-RU"/>
+          </a:p>
+        </p:txBody>
+      </p:sp>
       <p:pic>
         <p:nvPicPr>
           <p:cNvPr id="5" name="Рисунок 4">
             <a:extLst>
               <a:ext uri="{FF2B5EF4-FFF2-40B4-BE49-F238E27FC236}">
-                <a16:creationId xmlns:a16="http://schemas.microsoft.com/office/drawing/2014/main" id="{9927BE43-938A-4BCD-B100-AFEEAFFD8B44}"/>
+                <a16:creationId xmlns:a16="http://schemas.microsoft.com/office/drawing/2014/main" id="{20F8819C-2729-4857-95CF-C62527880A4D}"/>
               </a:ext>
             </a:extLst>
           </p:cNvPr>
@@ -5593,10 +5668,10 @@
       </p:pic>
       <p:pic>
         <p:nvPicPr>
-          <p:cNvPr id="3" name="Рисунок 2">
-            <a:extLst>
-              <a:ext uri="{FF2B5EF4-FFF2-40B4-BE49-F238E27FC236}">
-                <a16:creationId xmlns:a16="http://schemas.microsoft.com/office/drawing/2014/main" id="{8165AF42-D93C-4DA4-8FC1-D3B96A3DB463}"/>
+          <p:cNvPr id="6" name="Рисунок 5">
+            <a:extLst>
+              <a:ext uri="{FF2B5EF4-FFF2-40B4-BE49-F238E27FC236}">
+                <a16:creationId xmlns:a16="http://schemas.microsoft.com/office/drawing/2014/main" id="{AB9C9B80-8D01-4201-A9D6-890CE46EC7BA}"/>
               </a:ext>
             </a:extLst>
           </p:cNvPr>
@@ -5607,42 +5682,6 @@
         </p:nvPicPr>
         <p:blipFill>
           <a:blip r:embed="rId3">
-            <a:extLst>
-              <a:ext uri="{28A0092B-C50C-407E-A947-70E740481C1C}">
-                <a14:useLocalDpi xmlns:a14="http://schemas.microsoft.com/office/drawing/2010/main" val="0"/>
-              </a:ext>
-            </a:extLst>
-          </a:blip>
-          <a:stretch>
-            <a:fillRect/>
-          </a:stretch>
-        </p:blipFill>
-        <p:spPr>
-          <a:xfrm>
-            <a:off x="0" y="0"/>
-            <a:ext cx="12192000" cy="6858000"/>
-          </a:xfrm>
-          <a:prstGeom prst="rect">
-            <a:avLst/>
-          </a:prstGeom>
-        </p:spPr>
-      </p:pic>
-      <p:pic>
-        <p:nvPicPr>
-          <p:cNvPr id="4" name="Рисунок 3">
-            <a:extLst>
-              <a:ext uri="{FF2B5EF4-FFF2-40B4-BE49-F238E27FC236}">
-                <a16:creationId xmlns:a16="http://schemas.microsoft.com/office/drawing/2014/main" id="{D38DD161-87CC-4536-8697-D107F71B4D06}"/>
-              </a:ext>
-            </a:extLst>
-          </p:cNvPr>
-          <p:cNvPicPr>
-            <a:picLocks noChangeAspect="1"/>
-          </p:cNvPicPr>
-          <p:nvPr/>
-        </p:nvPicPr>
-        <p:blipFill>
-          <a:blip r:embed="rId4">
             <a:extLst>
               <a:ext uri="{28A0092B-C50C-407E-A947-70E740481C1C}">
                 <a14:useLocalDpi xmlns:a14="http://schemas.microsoft.com/office/drawing/2010/main" val="0"/>
@@ -5666,7 +5705,7 @@
     </p:spTree>
     <p:extLst>
       <p:ext uri="{BB962C8B-B14F-4D97-AF65-F5344CB8AC3E}">
-        <p14:creationId xmlns:p14="http://schemas.microsoft.com/office/powerpoint/2010/main" val="3461735305"/>
+        <p14:creationId xmlns:p14="http://schemas.microsoft.com/office/powerpoint/2010/main" val="556594263"/>
       </p:ext>
     </p:extLst>
   </p:cSld>
